--- a/Civilworks cost/Earth Compaction Procedure/Soil Compaction_17_01_2021.pptx
+++ b/Civilworks cost/Earth Compaction Procedure/Soil Compaction_17_01_2021.pptx
@@ -5,22 +5,23 @@
     <p:sldMasterId id="2147483648" r:id="rId1"/>
   </p:sldMasterIdLst>
   <p:notesMasterIdLst>
-    <p:notesMasterId r:id="rId15"/>
+    <p:notesMasterId r:id="rId16"/>
   </p:notesMasterIdLst>
   <p:sldIdLst>
-    <p:sldId id="256" r:id="rId2"/>
-    <p:sldId id="259" r:id="rId3"/>
-    <p:sldId id="257" r:id="rId4"/>
-    <p:sldId id="264" r:id="rId5"/>
-    <p:sldId id="261" r:id="rId6"/>
-    <p:sldId id="265" r:id="rId7"/>
-    <p:sldId id="258" r:id="rId8"/>
-    <p:sldId id="266" r:id="rId9"/>
-    <p:sldId id="269" r:id="rId10"/>
-    <p:sldId id="270" r:id="rId11"/>
-    <p:sldId id="271" r:id="rId12"/>
-    <p:sldId id="267" r:id="rId13"/>
-    <p:sldId id="268" r:id="rId14"/>
+    <p:sldId id="275" r:id="rId2"/>
+    <p:sldId id="256" r:id="rId3"/>
+    <p:sldId id="259" r:id="rId4"/>
+    <p:sldId id="257" r:id="rId5"/>
+    <p:sldId id="264" r:id="rId6"/>
+    <p:sldId id="261" r:id="rId7"/>
+    <p:sldId id="265" r:id="rId8"/>
+    <p:sldId id="258" r:id="rId9"/>
+    <p:sldId id="266" r:id="rId10"/>
+    <p:sldId id="269" r:id="rId11"/>
+    <p:sldId id="270" r:id="rId12"/>
+    <p:sldId id="272" r:id="rId13"/>
+    <p:sldId id="271" r:id="rId14"/>
+    <p:sldId id="274" r:id="rId15"/>
   </p:sldIdLst>
   <p:sldSz cx="12192000" cy="6858000"/>
   <p:notesSz cx="6858000" cy="9144000"/>
@@ -209,7 +210,7 @@
           <a:p>
             <a:fld id="{B60772D4-A71B-47F0-98F6-539EFFCD894A}" type="datetimeFigureOut">
               <a:rPr lang="en-US" smtClean="0"/>
-              <a:t>1/17/2021</a:t>
+              <a:t>1/18/2021</a:t>
             </a:fld>
             <a:endParaRPr lang="en-US"/>
           </a:p>
@@ -542,7 +543,7 @@
           <a:p>
             <a:fld id="{E8A84A6D-FF93-4459-B6C9-DC1A10078F3D}" type="slidenum">
               <a:rPr lang="en-US" smtClean="0"/>
-              <a:t>1</a:t>
+              <a:t>2</a:t>
             </a:fld>
             <a:endParaRPr lang="en-US"/>
           </a:p>
@@ -692,7 +693,7 @@
           <a:p>
             <a:fld id="{464C058E-9209-421E-A291-63B8053CAA95}" type="datetimeFigureOut">
               <a:rPr lang="en-US" smtClean="0"/>
-              <a:t>1/17/2021</a:t>
+              <a:t>1/18/2021</a:t>
             </a:fld>
             <a:endParaRPr lang="en-US"/>
           </a:p>
@@ -862,7 +863,7 @@
           <a:p>
             <a:fld id="{464C058E-9209-421E-A291-63B8053CAA95}" type="datetimeFigureOut">
               <a:rPr lang="en-US" smtClean="0"/>
-              <a:t>1/17/2021</a:t>
+              <a:t>1/18/2021</a:t>
             </a:fld>
             <a:endParaRPr lang="en-US"/>
           </a:p>
@@ -1042,7 +1043,7 @@
           <a:p>
             <a:fld id="{464C058E-9209-421E-A291-63B8053CAA95}" type="datetimeFigureOut">
               <a:rPr lang="en-US" smtClean="0"/>
-              <a:t>1/17/2021</a:t>
+              <a:t>1/18/2021</a:t>
             </a:fld>
             <a:endParaRPr lang="en-US"/>
           </a:p>
@@ -1212,7 +1213,7 @@
           <a:p>
             <a:fld id="{464C058E-9209-421E-A291-63B8053CAA95}" type="datetimeFigureOut">
               <a:rPr lang="en-US" smtClean="0"/>
-              <a:t>1/17/2021</a:t>
+              <a:t>1/18/2021</a:t>
             </a:fld>
             <a:endParaRPr lang="en-US"/>
           </a:p>
@@ -1458,7 +1459,7 @@
           <a:p>
             <a:fld id="{464C058E-9209-421E-A291-63B8053CAA95}" type="datetimeFigureOut">
               <a:rPr lang="en-US" smtClean="0"/>
-              <a:t>1/17/2021</a:t>
+              <a:t>1/18/2021</a:t>
             </a:fld>
             <a:endParaRPr lang="en-US"/>
           </a:p>
@@ -1690,7 +1691,7 @@
           <a:p>
             <a:fld id="{464C058E-9209-421E-A291-63B8053CAA95}" type="datetimeFigureOut">
               <a:rPr lang="en-US" smtClean="0"/>
-              <a:t>1/17/2021</a:t>
+              <a:t>1/18/2021</a:t>
             </a:fld>
             <a:endParaRPr lang="en-US"/>
           </a:p>
@@ -2057,7 +2058,7 @@
           <a:p>
             <a:fld id="{464C058E-9209-421E-A291-63B8053CAA95}" type="datetimeFigureOut">
               <a:rPr lang="en-US" smtClean="0"/>
-              <a:t>1/17/2021</a:t>
+              <a:t>1/18/2021</a:t>
             </a:fld>
             <a:endParaRPr lang="en-US"/>
           </a:p>
@@ -2175,7 +2176,7 @@
           <a:p>
             <a:fld id="{464C058E-9209-421E-A291-63B8053CAA95}" type="datetimeFigureOut">
               <a:rPr lang="en-US" smtClean="0"/>
-              <a:t>1/17/2021</a:t>
+              <a:t>1/18/2021</a:t>
             </a:fld>
             <a:endParaRPr lang="en-US"/>
           </a:p>
@@ -2270,7 +2271,7 @@
           <a:p>
             <a:fld id="{464C058E-9209-421E-A291-63B8053CAA95}" type="datetimeFigureOut">
               <a:rPr lang="en-US" smtClean="0"/>
-              <a:t>1/17/2021</a:t>
+              <a:t>1/18/2021</a:t>
             </a:fld>
             <a:endParaRPr lang="en-US"/>
           </a:p>
@@ -2547,7 +2548,7 @@
           <a:p>
             <a:fld id="{464C058E-9209-421E-A291-63B8053CAA95}" type="datetimeFigureOut">
               <a:rPr lang="en-US" smtClean="0"/>
-              <a:t>1/17/2021</a:t>
+              <a:t>1/18/2021</a:t>
             </a:fld>
             <a:endParaRPr lang="en-US"/>
           </a:p>
@@ -2800,7 +2801,7 @@
           <a:p>
             <a:fld id="{464C058E-9209-421E-A291-63B8053CAA95}" type="datetimeFigureOut">
               <a:rPr lang="en-US" smtClean="0"/>
-              <a:t>1/17/2021</a:t>
+              <a:t>1/18/2021</a:t>
             </a:fld>
             <a:endParaRPr lang="en-US"/>
           </a:p>
@@ -3013,7 +3014,7 @@
           <a:p>
             <a:fld id="{464C058E-9209-421E-A291-63B8053CAA95}" type="datetimeFigureOut">
               <a:rPr lang="en-US" smtClean="0"/>
-              <a:t>1/17/2021</a:t>
+              <a:t>1/18/2021</a:t>
             </a:fld>
             <a:endParaRPr lang="en-US"/>
           </a:p>
@@ -3425,13 +3426,13 @@
             <a:spLocks noGrp="1"/>
           </p:cNvSpPr>
           <p:nvPr>
-            <p:ph type="ctrTitle"/>
+            <p:ph type="title"/>
           </p:nvPr>
         </p:nvSpPr>
         <p:spPr>
           <a:xfrm>
-            <a:off x="1282890" y="112429"/>
-            <a:ext cx="9990161" cy="911153"/>
+            <a:off x="300941" y="325316"/>
+            <a:ext cx="12014521" cy="589083"/>
           </a:xfrm>
         </p:spPr>
         <p:txBody>
@@ -3441,29 +3442,28 @@
           <a:lstStyle/>
           <a:p>
             <a:r>
+              <a:rPr lang="en-US" sz="6000" dirty="0" smtClean="0">
+                <a:solidFill>
+                  <a:srgbClr val="00B050"/>
+                </a:solidFill>
+              </a:rPr>
+              <a:t>Soil Compaction By Elephant</a:t>
+            </a:r>
+            <a:r>
               <a:rPr lang="en-US" dirty="0" smtClean="0">
                 <a:solidFill>
                   <a:srgbClr val="00B050"/>
                 </a:solidFill>
               </a:rPr>
-              <a:t>R </a:t>
-            </a:r>
-            <a:r>
-              <a:rPr lang="en-US" dirty="0" err="1" smtClean="0">
+              <a:t/>
+            </a:r>
+            <a:br>
+              <a:rPr lang="en-US" dirty="0" smtClean="0">
                 <a:solidFill>
                   <a:srgbClr val="00B050"/>
                 </a:solidFill>
               </a:rPr>
-              <a:t>R</a:t>
-            </a:r>
-            <a:r>
-              <a:rPr lang="en-US" dirty="0" smtClean="0">
-                <a:solidFill>
-                  <a:srgbClr val="00B050"/>
-                </a:solidFill>
-              </a:rPr>
-              <a:t> Proctor</a:t>
-            </a:r>
+            </a:br>
             <a:endParaRPr lang="en-US" dirty="0">
               <a:solidFill>
                 <a:srgbClr val="00B050"/>
@@ -3474,112 +3474,88 @@
       </p:sp>
       <p:sp>
         <p:nvSpPr>
-          <p:cNvPr id="3" name="Subtitle 2"/>
+          <p:cNvPr id="3" name="Content Placeholder 2"/>
           <p:cNvSpPr>
             <a:spLocks noGrp="1"/>
           </p:cNvSpPr>
           <p:nvPr>
-            <p:ph type="subTitle" idx="1"/>
+            <p:ph idx="1"/>
           </p:nvPr>
         </p:nvSpPr>
         <p:spPr>
           <a:xfrm>
-            <a:off x="750627" y="873457"/>
-            <a:ext cx="11013743" cy="5172501"/>
+            <a:off x="300941" y="762000"/>
+            <a:ext cx="11424213" cy="5364163"/>
           </a:xfrm>
         </p:spPr>
         <p:txBody>
           <a:bodyPr>
-            <a:normAutofit lnSpcReduction="10000"/>
+            <a:normAutofit/>
           </a:bodyPr>
           <a:lstStyle/>
           <a:p>
-            <a:endParaRPr lang="en-US" dirty="0" smtClean="0"/>
-          </a:p>
-          <a:p>
-            <a:endParaRPr lang="en-US" dirty="0"/>
-          </a:p>
-          <a:p>
-            <a:endParaRPr lang="en-US" dirty="0" smtClean="0"/>
-          </a:p>
-          <a:p>
-            <a:endParaRPr lang="en-US" dirty="0"/>
-          </a:p>
-          <a:p>
-            <a:endParaRPr lang="en-US" dirty="0" smtClean="0"/>
-          </a:p>
-          <a:p>
-            <a:endParaRPr lang="en-US" dirty="0"/>
-          </a:p>
-          <a:p>
-            <a:endParaRPr lang="en-US" dirty="0" smtClean="0"/>
-          </a:p>
-          <a:p>
-            <a:endParaRPr lang="en-US" dirty="0"/>
-          </a:p>
-          <a:p>
-            <a:pPr algn="l">
-              <a:lnSpc>
-                <a:spcPct val="100000"/>
-              </a:lnSpc>
+            <a:pPr marL="0" indent="0">
+              <a:buNone/>
             </a:pPr>
-            <a:r>
-              <a:rPr lang="en-US" sz="2800" i="1" dirty="0">
-                <a:solidFill>
-                  <a:schemeClr val="accent2"/>
-                </a:solidFill>
-              </a:rPr>
-              <a:t>During the construction of </a:t>
-            </a:r>
-            <a:r>
-              <a:rPr lang="en-US" sz="2800" i="1" dirty="0">
-                <a:solidFill>
-                  <a:srgbClr val="00B050"/>
-                </a:solidFill>
-              </a:rPr>
-              <a:t>Bouquet Canyon Dam (1932 to 1934), </a:t>
-            </a:r>
-            <a:endParaRPr lang="en-US" sz="2800" i="1" dirty="0" smtClean="0">
+            <a:endParaRPr lang="en-US" sz="4000" i="1" dirty="0" smtClean="0">
+              <a:solidFill>
+                <a:schemeClr val="accent2"/>
+              </a:solidFill>
+            </a:endParaRPr>
+          </a:p>
+          <a:p>
+            <a:endParaRPr lang="en-US" sz="4000" i="1" dirty="0">
+              <a:solidFill>
+                <a:schemeClr val="accent2"/>
+              </a:solidFill>
+            </a:endParaRPr>
+          </a:p>
+          <a:p>
+            <a:endParaRPr lang="en-US" sz="4000" i="1" dirty="0" smtClean="0">
+              <a:solidFill>
+                <a:schemeClr val="accent2"/>
+              </a:solidFill>
+            </a:endParaRPr>
+          </a:p>
+          <a:p>
+            <a:endParaRPr lang="en-US" sz="4000" i="1" dirty="0" smtClean="0">
+              <a:solidFill>
+                <a:schemeClr val="accent2"/>
+              </a:solidFill>
+            </a:endParaRPr>
+          </a:p>
+          <a:p>
+            <a:endParaRPr lang="en-US" sz="4000" i="1" dirty="0">
+              <a:solidFill>
+                <a:schemeClr val="accent2"/>
+              </a:solidFill>
+            </a:endParaRPr>
+          </a:p>
+          <a:p>
+            <a:pPr marL="0" indent="0">
+              <a:buNone/>
+            </a:pPr>
+            <a:endParaRPr lang="en-US" sz="4000" dirty="0">
               <a:solidFill>
                 <a:srgbClr val="00B050"/>
               </a:solidFill>
+              <a:latin typeface="+mj-lt"/>
+              <a:ea typeface="+mj-ea"/>
+              <a:cs typeface="+mj-cs"/>
             </a:endParaRPr>
-          </a:p>
-          <a:p>
-            <a:pPr algn="l">
-              <a:lnSpc>
-                <a:spcPct val="100000"/>
-              </a:lnSpc>
-            </a:pPr>
-            <a:r>
-              <a:rPr lang="en-US" sz="2800" i="1" dirty="0" smtClean="0">
-                <a:solidFill>
-                  <a:schemeClr val="accent2"/>
-                </a:solidFill>
-              </a:rPr>
-              <a:t>developed </a:t>
-            </a:r>
-            <a:r>
-              <a:rPr lang="en-US" sz="2800" i="1" dirty="0">
-                <a:solidFill>
-                  <a:schemeClr val="accent2"/>
-                </a:solidFill>
-              </a:rPr>
-              <a:t>what we now call the "Proctor-test", to determine the optimum water content of the compacted earth fill used for the dam core construction.</a:t>
-            </a:r>
           </a:p>
         </p:txBody>
       </p:sp>
       <p:pic>
         <p:nvPicPr>
-          <p:cNvPr id="4" name="Picture 3"/>
+          <p:cNvPr id="5" name="Picture 4"/>
           <p:cNvPicPr>
             <a:picLocks noChangeAspect="1"/>
           </p:cNvPicPr>
           <p:nvPr/>
         </p:nvPicPr>
         <p:blipFill>
-          <a:blip r:embed="rId3">
+          <a:blip r:embed="rId2">
             <a:extLst>
               <a:ext uri="{28A0092B-C50C-407E-A947-70E740481C1C}">
                 <a14:useLocalDpi xmlns:a14="http://schemas.microsoft.com/office/drawing/2010/main" val="0"/>
@@ -3592,8 +3568,8 @@
         </p:blipFill>
         <p:spPr>
           <a:xfrm>
-            <a:off x="750627" y="873457"/>
-            <a:ext cx="2893325" cy="3125337"/>
+            <a:off x="300941" y="914400"/>
+            <a:ext cx="11169570" cy="5648446"/>
           </a:xfrm>
           <a:prstGeom prst="rect">
             <a:avLst/>
@@ -3603,7 +3579,7 @@
     </p:spTree>
     <p:extLst>
       <p:ext uri="{BB962C8B-B14F-4D97-AF65-F5344CB8AC3E}">
-        <p14:creationId xmlns:p14="http://schemas.microsoft.com/office/powerpoint/2010/main" val="3060113080"/>
+        <p14:creationId xmlns:p14="http://schemas.microsoft.com/office/powerpoint/2010/main" val="4848596"/>
       </p:ext>
     </p:extLst>
   </p:cSld>
@@ -3650,12 +3626,12 @@
         <p:spPr>
           <a:xfrm>
             <a:off x="838200" y="365125"/>
-            <a:ext cx="10515600" cy="828675"/>
+            <a:ext cx="10515600" cy="446405"/>
           </a:xfrm>
         </p:spPr>
         <p:txBody>
           <a:bodyPr>
-            <a:normAutofit fontScale="90000"/>
+            <a:noAutofit/>
           </a:bodyPr>
           <a:lstStyle/>
           <a:p>
@@ -3665,226 +3641,320 @@
                   <a:srgbClr val="00B050"/>
                 </a:solidFill>
               </a:rPr>
-              <a:t>Proposed Procedure for Soil Compaction Design ?</a:t>
-            </a:r>
-            <a:endParaRPr lang="en-US" dirty="0"/>
+              <a:t>Parameter for Soil Compaction design</a:t>
+            </a:r>
+            <a:endParaRPr lang="en-US" dirty="0">
+              <a:solidFill>
+                <a:srgbClr val="00B050"/>
+              </a:solidFill>
+            </a:endParaRPr>
           </a:p>
         </p:txBody>
       </p:sp>
-      <p:sp>
-        <p:nvSpPr>
-          <p:cNvPr id="3" name="Content Placeholder 2"/>
-          <p:cNvSpPr>
-            <a:spLocks noGrp="1"/>
-          </p:cNvSpPr>
-          <p:nvPr>
-            <p:ph idx="1"/>
-          </p:nvPr>
-        </p:nvSpPr>
-        <p:spPr>
-          <a:xfrm>
-            <a:off x="838200" y="1104900"/>
-            <a:ext cx="10515600" cy="5072063"/>
-          </a:xfrm>
-        </p:spPr>
-        <p:txBody>
-          <a:bodyPr>
-            <a:normAutofit fontScale="92500" lnSpcReduction="10000"/>
-          </a:bodyPr>
-          <a:lstStyle/>
-          <a:p>
-            <a:pPr marL="0" indent="0">
-              <a:buNone/>
-            </a:pPr>
-            <a:endParaRPr lang="en-US" dirty="0" smtClean="0"/>
-          </a:p>
-          <a:p>
-            <a:r>
-              <a:rPr lang="en-US" sz="3200" i="1" dirty="0">
-                <a:solidFill>
-                  <a:schemeClr val="accent2"/>
-                </a:solidFill>
-              </a:rPr>
-              <a:t>The </a:t>
-            </a:r>
-            <a:r>
-              <a:rPr lang="en-US" sz="3200" i="1" dirty="0">
-                <a:solidFill>
-                  <a:schemeClr val="accent2"/>
-                </a:solidFill>
-              </a:rPr>
-              <a:t>proposed approach depends on calculating the lift settlement after each pass considering the fact that only effective</a:t>
-            </a:r>
-            <a:br>
-              <a:rPr lang="en-US" sz="3200" i="1" dirty="0">
-                <a:solidFill>
-                  <a:schemeClr val="accent2"/>
-                </a:solidFill>
-              </a:rPr>
-            </a:br>
-            <a:r>
-              <a:rPr lang="en-US" sz="3200" i="1" dirty="0">
-                <a:solidFill>
-                  <a:schemeClr val="accent2"/>
-                </a:solidFill>
-              </a:rPr>
-              <a:t>depth is affected by compaction </a:t>
-            </a:r>
-            <a:r>
-              <a:rPr lang="en-US" sz="3200" i="1" dirty="0">
-                <a:solidFill>
-                  <a:schemeClr val="accent2"/>
-                </a:solidFill>
-              </a:rPr>
-              <a:t>effort </a:t>
-            </a:r>
-          </a:p>
-          <a:p>
-            <a:r>
-              <a:rPr lang="en-US" sz="3200" i="1" dirty="0">
-                <a:solidFill>
-                  <a:schemeClr val="accent2"/>
-                </a:solidFill>
-              </a:rPr>
-              <a:t>accordingly fill proprieties </a:t>
-            </a:r>
-            <a:r>
-              <a:rPr lang="en-US" sz="3200" i="1" dirty="0">
-                <a:solidFill>
-                  <a:schemeClr val="accent2"/>
-                </a:solidFill>
-              </a:rPr>
-              <a:t>will be updated to be used to calculate the settlement of the next pass. </a:t>
-            </a:r>
-            <a:endParaRPr lang="en-US" sz="3200" i="1" dirty="0">
-              <a:solidFill>
-                <a:schemeClr val="accent2"/>
-              </a:solidFill>
-            </a:endParaRPr>
-          </a:p>
-          <a:p>
-            <a:r>
-              <a:rPr lang="en-US" sz="3200" i="1" dirty="0">
-                <a:solidFill>
-                  <a:schemeClr val="accent2"/>
-                </a:solidFill>
-              </a:rPr>
-              <a:t>Pass </a:t>
-            </a:r>
-            <a:r>
-              <a:rPr lang="en-US" sz="3200" i="1" dirty="0">
-                <a:solidFill>
-                  <a:schemeClr val="accent2"/>
-                </a:solidFill>
-              </a:rPr>
-              <a:t>after pass, the effective depth decreases due to ultimate bearing capacity enhancing until </a:t>
-            </a:r>
-            <a:r>
-              <a:rPr lang="en-US" sz="3200" i="1" dirty="0">
-                <a:solidFill>
-                  <a:schemeClr val="accent2"/>
-                </a:solidFill>
-              </a:rPr>
-              <a:t>it equal </a:t>
-            </a:r>
-            <a:r>
-              <a:rPr lang="en-US" sz="3200" i="1" dirty="0">
-                <a:solidFill>
-                  <a:schemeClr val="accent2"/>
-                </a:solidFill>
-              </a:rPr>
-              <a:t>to zero when the ultimate bearing capacity exceeds </a:t>
-            </a:r>
-            <a:r>
-              <a:rPr lang="en-US" sz="3200" i="1" dirty="0">
-                <a:solidFill>
-                  <a:schemeClr val="accent2"/>
-                </a:solidFill>
-              </a:rPr>
-              <a:t>the effective </a:t>
-            </a:r>
-            <a:r>
-              <a:rPr lang="en-US" sz="3200" i="1" dirty="0">
-                <a:solidFill>
-                  <a:schemeClr val="accent2"/>
-                </a:solidFill>
-              </a:rPr>
-              <a:t>contact stress, </a:t>
-            </a:r>
-            <a:endParaRPr lang="en-US" sz="3200" i="1" dirty="0">
-              <a:solidFill>
-                <a:schemeClr val="accent2"/>
-              </a:solidFill>
-            </a:endParaRPr>
-          </a:p>
-          <a:p>
-            <a:r>
-              <a:rPr lang="en-US" sz="3200" i="1" dirty="0">
-                <a:solidFill>
-                  <a:schemeClr val="accent2"/>
-                </a:solidFill>
-              </a:rPr>
-              <a:t>at </a:t>
-            </a:r>
-            <a:r>
-              <a:rPr lang="en-US" sz="3200" i="1" dirty="0">
-                <a:solidFill>
-                  <a:schemeClr val="accent2"/>
-                </a:solidFill>
-              </a:rPr>
-              <a:t>this time, the dry density reaches </a:t>
-            </a:r>
-            <a:r>
-              <a:rPr lang="en-US" sz="3200" i="1" dirty="0">
-                <a:solidFill>
-                  <a:schemeClr val="accent2"/>
-                </a:solidFill>
-              </a:rPr>
-              <a:t>its maximum </a:t>
-            </a:r>
-            <a:r>
-              <a:rPr lang="en-US" sz="3200" i="1" dirty="0">
-                <a:solidFill>
-                  <a:schemeClr val="accent2"/>
-                </a:solidFill>
-              </a:rPr>
-              <a:t>value and any mare passes will not have any </a:t>
-            </a:r>
-            <a:r>
-              <a:rPr lang="en-US" sz="3200" i="1" dirty="0">
-                <a:solidFill>
-                  <a:schemeClr val="accent2"/>
-                </a:solidFill>
-              </a:rPr>
-              <a:t>effect on </a:t>
-            </a:r>
-            <a:r>
-              <a:rPr lang="en-US" sz="3200" i="1" dirty="0">
-                <a:solidFill>
-                  <a:schemeClr val="accent2"/>
-                </a:solidFill>
-              </a:rPr>
-              <a:t>the soil. </a:t>
-            </a:r>
-            <a:br>
-              <a:rPr lang="en-US" sz="3200" i="1" dirty="0">
-                <a:solidFill>
-                  <a:schemeClr val="accent2"/>
-                </a:solidFill>
-              </a:rPr>
-            </a:br>
-            <a:endParaRPr lang="en-US" sz="3200" i="1" dirty="0">
-              <a:solidFill>
-                <a:schemeClr val="accent2"/>
-              </a:solidFill>
-            </a:endParaRPr>
-          </a:p>
-        </p:txBody>
-      </p:sp>
+      <mc:AlternateContent xmlns:mc="http://schemas.openxmlformats.org/markup-compatibility/2006" xmlns:a14="http://schemas.microsoft.com/office/drawing/2010/main">
+        <mc:Choice Requires="a14">
+          <p:sp>
+            <p:nvSpPr>
+              <p:cNvPr id="3" name="Content Placeholder 2"/>
+              <p:cNvSpPr>
+                <a:spLocks noGrp="1"/>
+              </p:cNvSpPr>
+              <p:nvPr>
+                <p:ph idx="1"/>
+              </p:nvPr>
+            </p:nvSpPr>
+            <p:spPr>
+              <a:xfrm>
+                <a:off x="838200" y="811530"/>
+                <a:ext cx="10515600" cy="5783580"/>
+              </a:xfrm>
+            </p:spPr>
+            <p:txBody>
+              <a:bodyPr>
+                <a:normAutofit lnSpcReduction="10000"/>
+              </a:bodyPr>
+              <a:lstStyle/>
+              <a:p>
+                <a:pPr marL="0" indent="0">
+                  <a:buNone/>
+                </a:pPr>
+                <a:r>
+                  <a:rPr lang="en-US" sz="3200" i="1" dirty="0" smtClean="0">
+                    <a:solidFill>
+                      <a:schemeClr val="accent2"/>
+                    </a:solidFill>
+                  </a:rPr>
+                  <a:t>B= </a:t>
+                </a:r>
+                <a:r>
+                  <a:rPr lang="en-US" sz="3200" i="1" dirty="0">
+                    <a:solidFill>
+                      <a:schemeClr val="accent2"/>
+                    </a:solidFill>
+                  </a:rPr>
+                  <a:t>Contact width </a:t>
+                </a:r>
+                <a:br>
+                  <a:rPr lang="en-US" sz="3200" i="1" dirty="0">
+                    <a:solidFill>
+                      <a:schemeClr val="accent2"/>
+                    </a:solidFill>
+                  </a:rPr>
+                </a:br>
+                <a:r>
+                  <a:rPr lang="en-US" sz="3200" i="1" dirty="0">
+                    <a:solidFill>
+                      <a:schemeClr val="accent2"/>
+                    </a:solidFill>
+                  </a:rPr>
+                  <a:t>For rigid rollers, using modified </a:t>
+                </a:r>
+                <a:r>
+                  <a:rPr lang="en-US" sz="3200" i="1" dirty="0" err="1">
+                    <a:solidFill>
+                      <a:schemeClr val="accent2"/>
+                    </a:solidFill>
+                  </a:rPr>
+                  <a:t>Grecenko</a:t>
+                </a:r>
+                <a:r>
+                  <a:rPr lang="en-US" sz="3200" i="1" dirty="0">
+                    <a:solidFill>
+                      <a:schemeClr val="accent2"/>
+                    </a:solidFill>
+                  </a:rPr>
+                  <a:t> formula as</a:t>
+                </a:r>
+                <a:br>
+                  <a:rPr lang="en-US" sz="3200" i="1" dirty="0">
+                    <a:solidFill>
+                      <a:schemeClr val="accent2"/>
+                    </a:solidFill>
+                  </a:rPr>
+                </a:br>
+                <a:r>
+                  <a:rPr lang="en-US" sz="3200" i="1" dirty="0">
+                    <a:solidFill>
+                      <a:schemeClr val="accent2"/>
+                    </a:solidFill>
+                  </a:rPr>
+                  <a:t>follows:</a:t>
+                </a:r>
+                <a:br>
+                  <a:rPr lang="en-US" sz="3200" i="1" dirty="0">
+                    <a:solidFill>
+                      <a:schemeClr val="accent2"/>
+                    </a:solidFill>
+                  </a:rPr>
+                </a:br>
+                <a:r>
+                  <a:rPr lang="en-US" sz="3200" i="1" dirty="0">
+                    <a:solidFill>
+                      <a:schemeClr val="accent2"/>
+                    </a:solidFill>
+                  </a:rPr>
+                  <a:t>B = (0.45 - 0.15 γ) x Roller diameter </a:t>
+                </a:r>
+              </a:p>
+              <a:p>
+                <a:pPr marL="0" indent="0">
+                  <a:buNone/>
+                </a:pPr>
+                <a:r>
+                  <a:rPr lang="en-US" sz="3200" i="1" dirty="0">
+                    <a:solidFill>
+                      <a:schemeClr val="accent2"/>
+                    </a:solidFill>
+                  </a:rPr>
+                  <a:t>F= is the fines percent (Soil Passing #200 sieve) </a:t>
+                </a:r>
+              </a:p>
+              <a:p>
+                <a:pPr marL="0" indent="0">
+                  <a:buNone/>
+                </a:pPr>
+                <a14:m>
+                  <m:oMath xmlns:m="http://schemas.openxmlformats.org/officeDocument/2006/math">
+                    <m:r>
+                      <a:rPr lang="en-US" sz="3200" i="1">
+                        <a:solidFill>
+                          <a:schemeClr val="accent2"/>
+                        </a:solidFill>
+                        <a:latin typeface="Cambria Math" panose="02040503050406030204" pitchFamily="18" charset="0"/>
+                      </a:rPr>
+                      <m:t>𝛾</m:t>
+                    </m:r>
+                  </m:oMath>
+                </a14:m>
+                <a:r>
+                  <a:rPr lang="en-US" sz="3200" i="1" dirty="0">
+                    <a:solidFill>
+                      <a:schemeClr val="accent2"/>
+                    </a:solidFill>
+                  </a:rPr>
+                  <a:t>=Dry Unit Weight of Soil </a:t>
+                </a:r>
+                <a:r>
+                  <a:rPr lang="en-US" sz="3200" i="1" dirty="0" smtClean="0">
+                    <a:solidFill>
+                      <a:schemeClr val="accent2"/>
+                    </a:solidFill>
+                  </a:rPr>
+                  <a:t>Tons/cum</a:t>
+                </a:r>
+              </a:p>
+              <a:p>
+                <a:pPr marL="0" indent="0">
+                  <a:buNone/>
+                </a:pPr>
+                <a14:m>
+                  <m:oMath xmlns:m="http://schemas.openxmlformats.org/officeDocument/2006/math">
+                    <m:sSub>
+                      <m:sSubPr>
+                        <m:ctrlPr>
+                          <a:rPr lang="en-US" sz="3200" i="1">
+                            <a:solidFill>
+                              <a:schemeClr val="accent2"/>
+                            </a:solidFill>
+                            <a:latin typeface="Cambria Math" panose="02040503050406030204" pitchFamily="18" charset="0"/>
+                          </a:rPr>
+                        </m:ctrlPr>
+                      </m:sSubPr>
+                      <m:e>
+                        <m:r>
+                          <a:rPr lang="en-US" sz="3200" i="1">
+                            <a:solidFill>
+                              <a:schemeClr val="accent2"/>
+                            </a:solidFill>
+                            <a:latin typeface="Cambria Math" panose="02040503050406030204" pitchFamily="18" charset="0"/>
+                          </a:rPr>
+                          <m:t>𝜎</m:t>
+                        </m:r>
+                      </m:e>
+                      <m:sub>
+                        <m:r>
+                          <a:rPr lang="en-US" sz="3200" i="1">
+                            <a:solidFill>
+                              <a:schemeClr val="accent2"/>
+                            </a:solidFill>
+                            <a:latin typeface="Cambria Math" panose="02040503050406030204" pitchFamily="18" charset="0"/>
+                          </a:rPr>
+                          <m:t>0</m:t>
+                        </m:r>
+                      </m:sub>
+                    </m:sSub>
+                  </m:oMath>
+                </a14:m>
+                <a:r>
+                  <a:rPr lang="en-US" sz="3200" i="1" dirty="0">
+                    <a:solidFill>
+                      <a:schemeClr val="accent2"/>
+                    </a:solidFill>
+                  </a:rPr>
+                  <a:t>= stress at ground surface </a:t>
+                </a:r>
+                <a:br>
+                  <a:rPr lang="en-US" sz="3200" i="1" dirty="0">
+                    <a:solidFill>
+                      <a:schemeClr val="accent2"/>
+                    </a:solidFill>
+                  </a:rPr>
+                </a:br>
+                <a:endParaRPr lang="en-US" sz="3200" i="1" dirty="0">
+                  <a:solidFill>
+                    <a:schemeClr val="accent2"/>
+                  </a:solidFill>
+                </a:endParaRPr>
+              </a:p>
+              <a:p>
+                <a:pPr marL="0" indent="0">
+                  <a:buNone/>
+                </a:pPr>
+                <a:endParaRPr lang="en-US" i="1" dirty="0">
+                  <a:solidFill>
+                    <a:srgbClr val="00B050"/>
+                  </a:solidFill>
+                  <a:latin typeface="Cambria Math" panose="02040503050406030204" pitchFamily="18" charset="0"/>
+                  <a:ea typeface="Cambria Math" panose="02040503050406030204" pitchFamily="18" charset="0"/>
+                </a:endParaRPr>
+              </a:p>
+              <a:p>
+                <a:pPr marL="0" indent="0">
+                  <a:buNone/>
+                </a:pPr>
+                <a:endParaRPr lang="en-US" i="1" dirty="0">
+                  <a:solidFill>
+                    <a:srgbClr val="00B050"/>
+                  </a:solidFill>
+                  <a:latin typeface="Cambria Math" panose="02040503050406030204" pitchFamily="18" charset="0"/>
+                  <a:ea typeface="Cambria Math" panose="02040503050406030204" pitchFamily="18" charset="0"/>
+                </a:endParaRPr>
+              </a:p>
+              <a:p>
+                <a:pPr marL="0" indent="0">
+                  <a:buNone/>
+                </a:pPr>
+                <a:r>
+                  <a:rPr lang="en-US" dirty="0" smtClean="0"/>
+                  <a:t/>
+                </a:r>
+                <a:br>
+                  <a:rPr lang="en-US" dirty="0" smtClean="0"/>
+                </a:br>
+                <a:r>
+                  <a:rPr lang="en-US" dirty="0" smtClean="0"/>
+                  <a:t/>
+                </a:r>
+                <a:br>
+                  <a:rPr lang="en-US" dirty="0" smtClean="0"/>
+                </a:br>
+                <a:endParaRPr lang="en-US" dirty="0"/>
+              </a:p>
+            </p:txBody>
+          </p:sp>
+        </mc:Choice>
+        <mc:Fallback xmlns="">
+          <p:sp>
+            <p:nvSpPr>
+              <p:cNvPr id="3" name="Content Placeholder 2"/>
+              <p:cNvSpPr>
+                <a:spLocks noGrp="1" noRot="1" noChangeAspect="1" noMove="1" noResize="1" noEditPoints="1" noAdjustHandles="1" noChangeArrowheads="1" noChangeShapeType="1" noTextEdit="1"/>
+              </p:cNvSpPr>
+              <p:nvPr>
+                <p:ph idx="1"/>
+              </p:nvPr>
+            </p:nvSpPr>
+            <p:spPr>
+              <a:xfrm>
+                <a:off x="838200" y="811530"/>
+                <a:ext cx="10515600" cy="5783580"/>
+              </a:xfrm>
+              <a:blipFill>
+                <a:blip r:embed="rId2"/>
+                <a:stretch>
+                  <a:fillRect l="-1507" t="-2845"/>
+                </a:stretch>
+              </a:blipFill>
+            </p:spPr>
+            <p:txBody>
+              <a:bodyPr/>
+              <a:lstStyle/>
+              <a:p>
+                <a:r>
+                  <a:rPr lang="en-US">
+                    <a:noFill/>
+                  </a:rPr>
+                  <a:t> </a:t>
+                </a:r>
+              </a:p>
+            </p:txBody>
+          </p:sp>
+        </mc:Fallback>
+      </mc:AlternateContent>
     </p:spTree>
     <p:extLst>
       <p:ext uri="{BB962C8B-B14F-4D97-AF65-F5344CB8AC3E}">
-        <p14:creationId xmlns:p14="http://schemas.microsoft.com/office/powerpoint/2010/main" val="942617704"/>
+        <p14:creationId xmlns:p14="http://schemas.microsoft.com/office/powerpoint/2010/main" val="2465201931"/>
       </p:ext>
     </p:extLst>
   </p:cSld>
@@ -3930,8 +4000,8 @@
         </p:nvSpPr>
         <p:spPr>
           <a:xfrm>
-            <a:off x="838200" y="609600"/>
-            <a:ext cx="10515600" cy="304800"/>
+            <a:off x="838200" y="365125"/>
+            <a:ext cx="10515600" cy="828675"/>
           </a:xfrm>
         </p:spPr>
         <p:txBody>
@@ -3941,20 +4011,13 @@
           <a:lstStyle/>
           <a:p>
             <a:r>
-              <a:rPr lang="en-US" dirty="0">
+              <a:rPr lang="en-US" dirty="0" smtClean="0">
                 <a:solidFill>
                   <a:srgbClr val="00B050"/>
                 </a:solidFill>
               </a:rPr>
-              <a:t>Computer Program for Soil Compaction Design?</a:t>
-            </a:r>
-            <a:r>
-              <a:rPr lang="en-US" dirty="0" smtClean="0"/>
-              <a:t/>
-            </a:r>
-            <a:br>
-              <a:rPr lang="en-US" dirty="0" smtClean="0"/>
-            </a:br>
+              <a:t>Proposed Procedure for Soil Compaction Design ?</a:t>
+            </a:r>
             <a:endParaRPr lang="en-US" dirty="0"/>
           </a:p>
         </p:txBody>
@@ -3971,67 +4034,86 @@
         </p:nvSpPr>
         <p:spPr>
           <a:xfrm>
-            <a:off x="838200" y="762000"/>
-            <a:ext cx="10515600" cy="5364163"/>
+            <a:off x="838200" y="1104900"/>
+            <a:ext cx="10515600" cy="5072063"/>
           </a:xfrm>
         </p:spPr>
         <p:txBody>
           <a:bodyPr>
-            <a:normAutofit/>
+            <a:normAutofit fontScale="92500" lnSpcReduction="10000"/>
           </a:bodyPr>
           <a:lstStyle/>
           <a:p>
-            <a:r>
-              <a:rPr lang="en-US" sz="4000" i="1" dirty="0">
+            <a:pPr marL="0" indent="0">
+              <a:buNone/>
+            </a:pPr>
+            <a:endParaRPr lang="en-US" dirty="0" smtClean="0"/>
+          </a:p>
+          <a:p>
+            <a:r>
+              <a:rPr lang="en-US" sz="3200" i="1" dirty="0">
                 <a:solidFill>
                   <a:schemeClr val="accent2"/>
                 </a:solidFill>
               </a:rPr>
-              <a:t>This is an </a:t>
-            </a:r>
-            <a:r>
-              <a:rPr lang="en-US" sz="4000" i="1" dirty="0">
+              <a:t>The proposed approach depends on calculating the lift settlement after each pass considering the fact that only effective</a:t>
+            </a:r>
+            <a:br>
+              <a:rPr lang="en-US" sz="3200" i="1" dirty="0">
                 <a:solidFill>
                   <a:schemeClr val="accent2"/>
                 </a:solidFill>
               </a:rPr>
-              <a:t>iterative </a:t>
-            </a:r>
-            <a:r>
-              <a:rPr lang="en-US" sz="4000" i="1" dirty="0">
+            </a:br>
+            <a:r>
+              <a:rPr lang="en-US" sz="3200" i="1" dirty="0">
                 <a:solidFill>
                   <a:schemeClr val="accent2"/>
                 </a:solidFill>
               </a:rPr>
-              <a:t>procedure can be </a:t>
-            </a:r>
-            <a:r>
-              <a:rPr lang="en-US" sz="4000" i="1" dirty="0" smtClean="0">
+              <a:t>depth is affected by compaction effort </a:t>
+            </a:r>
+          </a:p>
+          <a:p>
+            <a:r>
+              <a:rPr lang="en-US" sz="3200" i="1" dirty="0">
                 <a:solidFill>
                   <a:schemeClr val="accent2"/>
                 </a:solidFill>
               </a:rPr>
-              <a:t>programmed.</a:t>
-            </a:r>
-          </a:p>
-          <a:p>
-            <a:endParaRPr lang="en-US" sz="4000" i="1" dirty="0">
+              <a:t>accordingly fill proprieties will be updated to be used to calculate the settlement of the next pass. </a:t>
+            </a:r>
+          </a:p>
+          <a:p>
+            <a:r>
+              <a:rPr lang="en-US" sz="3200" i="1" dirty="0">
+                <a:solidFill>
+                  <a:schemeClr val="accent2"/>
+                </a:solidFill>
+              </a:rPr>
+              <a:t>Pass after pass, the effective depth decreases due to ultimate bearing capacity enhancing until it equal to zero when the ultimate bearing capacity exceeds the effective contact stress, </a:t>
+            </a:r>
+          </a:p>
+          <a:p>
+            <a:r>
+              <a:rPr lang="en-US" sz="3200" i="1" dirty="0">
+                <a:solidFill>
+                  <a:schemeClr val="accent2"/>
+                </a:solidFill>
+              </a:rPr>
+              <a:t>at this time, the dry density reaches its maximum value and any mare passes will not have any effect on the soil. </a:t>
+            </a:r>
+            <a:br>
+              <a:rPr lang="en-US" sz="3200" i="1" dirty="0">
+                <a:solidFill>
+                  <a:schemeClr val="accent2"/>
+                </a:solidFill>
+              </a:rPr>
+            </a:br>
+            <a:endParaRPr lang="en-US" sz="3200" i="1" dirty="0">
               <a:solidFill>
                 <a:schemeClr val="accent2"/>
               </a:solidFill>
-            </a:endParaRPr>
-          </a:p>
-          <a:p>
-            <a:pPr marL="0" indent="0">
-              <a:buNone/>
-            </a:pPr>
-            <a:endParaRPr lang="en-US" sz="4000" dirty="0">
-              <a:solidFill>
-                <a:srgbClr val="00B050"/>
-              </a:solidFill>
-              <a:latin typeface="+mj-lt"/>
-              <a:ea typeface="+mj-ea"/>
-              <a:cs typeface="+mj-cs"/>
             </a:endParaRPr>
           </a:p>
         </p:txBody>
@@ -4039,7 +4121,7 @@
     </p:spTree>
     <p:extLst>
       <p:ext uri="{BB962C8B-B14F-4D97-AF65-F5344CB8AC3E}">
-        <p14:creationId xmlns:p14="http://schemas.microsoft.com/office/powerpoint/2010/main" val="4206193319"/>
+        <p14:creationId xmlns:p14="http://schemas.microsoft.com/office/powerpoint/2010/main" val="942617704"/>
       </p:ext>
     </p:extLst>
   </p:cSld>
@@ -4085,41 +4167,110 @@
         </p:nvSpPr>
         <p:spPr>
           <a:xfrm>
-            <a:off x="838200" y="457200"/>
-            <a:ext cx="10515600" cy="1386113"/>
+            <a:off x="838200" y="365125"/>
+            <a:ext cx="11140440" cy="1325563"/>
           </a:xfrm>
         </p:spPr>
         <p:txBody>
-          <a:bodyPr>
-            <a:normAutofit/>
-          </a:bodyPr>
+          <a:bodyPr/>
           <a:lstStyle/>
           <a:p>
             <a:r>
-              <a:rPr lang="en-US" dirty="0" smtClean="0">
+              <a:rPr lang="en-US" dirty="0">
                 <a:solidFill>
                   <a:srgbClr val="00B050"/>
                 </a:solidFill>
               </a:rPr>
-              <a:t>Moisture Content Measurement – Moisture Analyzer</a:t>
-            </a:r>
-            <a:endParaRPr lang="en-US" dirty="0">
+              <a:t>Computer Program for Soil Compaction Design?</a:t>
+            </a:r>
+            <a:endParaRPr lang="en-US" dirty="0"/>
+          </a:p>
+        </p:txBody>
+      </p:sp>
+      <p:sp>
+        <p:nvSpPr>
+          <p:cNvPr id="3" name="Content Placeholder 2"/>
+          <p:cNvSpPr>
+            <a:spLocks noGrp="1"/>
+          </p:cNvSpPr>
+          <p:nvPr>
+            <p:ph idx="1"/>
+          </p:nvPr>
+        </p:nvSpPr>
+        <p:spPr>
+          <a:xfrm>
+            <a:off x="838200" y="1188720"/>
+            <a:ext cx="10515600" cy="4988243"/>
+          </a:xfrm>
+        </p:spPr>
+        <p:txBody>
+          <a:bodyPr/>
+          <a:lstStyle/>
+          <a:p>
+            <a:pPr marL="0" indent="0">
+              <a:buNone/>
+            </a:pPr>
+            <a:r>
+              <a:rPr lang="en-US" i="1" dirty="0">
+                <a:solidFill>
+                  <a:schemeClr val="accent2"/>
+                </a:solidFill>
+              </a:rPr>
+              <a:t>Based on </a:t>
+            </a:r>
+            <a:r>
+              <a:rPr lang="en-US" i="1" dirty="0">
+                <a:solidFill>
+                  <a:schemeClr val="accent2"/>
+                </a:solidFill>
+              </a:rPr>
+              <a:t>Ahmed M .</a:t>
+            </a:r>
+            <a:r>
+              <a:rPr lang="en-US" i="1" dirty="0" err="1" smtClean="0">
+                <a:solidFill>
+                  <a:schemeClr val="accent2"/>
+                </a:solidFill>
+              </a:rPr>
+              <a:t>Ebid’s</a:t>
+            </a:r>
+            <a:r>
+              <a:rPr lang="en-US" i="1" dirty="0" smtClean="0">
+                <a:solidFill>
+                  <a:schemeClr val="accent2"/>
+                </a:solidFill>
+              </a:rPr>
+              <a:t> equation we developed a small computer </a:t>
+            </a:r>
+            <a:r>
+              <a:rPr lang="en-US" i="1" dirty="0" err="1" smtClean="0">
+                <a:solidFill>
+                  <a:schemeClr val="accent2"/>
+                </a:solidFill>
+              </a:rPr>
+              <a:t>programm</a:t>
+            </a:r>
+            <a:endParaRPr lang="en-US" i="1" dirty="0">
               <a:solidFill>
-                <a:srgbClr val="00B050"/>
+                <a:schemeClr val="accent2"/>
               </a:solidFill>
             </a:endParaRPr>
+          </a:p>
+          <a:p>
+            <a:pPr marL="0" indent="0">
+              <a:buNone/>
+            </a:pPr>
+            <a:endParaRPr lang="en-US" dirty="0"/>
           </a:p>
         </p:txBody>
       </p:sp>
       <p:pic>
         <p:nvPicPr>
-          <p:cNvPr id="20" name="Content Placeholder 19"/>
+          <p:cNvPr id="4" name="Picture 3"/>
           <p:cNvPicPr>
-            <a:picLocks noGrp="1" noChangeAspect="1"/>
+            <a:picLocks noChangeAspect="1"/>
           </p:cNvPicPr>
-          <p:nvPr>
-            <p:ph idx="1"/>
-          </p:nvPr>
+          <p:nvPr/>
         </p:nvPicPr>
         <p:blipFill>
           <a:blip r:embed="rId2"/>
@@ -4129,8 +4280,8 @@
         </p:blipFill>
         <p:spPr>
           <a:xfrm>
-            <a:off x="420914" y="1843313"/>
-            <a:ext cx="5828392" cy="4127500"/>
+            <a:off x="838201" y="1597170"/>
+            <a:ext cx="10515600" cy="4712190"/>
           </a:xfrm>
           <a:prstGeom prst="rect">
             <a:avLst/>
@@ -4140,7 +4291,7 @@
     </p:spTree>
     <p:extLst>
       <p:ext uri="{BB962C8B-B14F-4D97-AF65-F5344CB8AC3E}">
-        <p14:creationId xmlns:p14="http://schemas.microsoft.com/office/powerpoint/2010/main" val="2858123138"/>
+        <p14:creationId xmlns:p14="http://schemas.microsoft.com/office/powerpoint/2010/main" val="2172917056"/>
       </p:ext>
     </p:extLst>
   </p:cSld>
@@ -4184,9 +4335,16 @@
             <p:ph type="title"/>
           </p:nvPr>
         </p:nvSpPr>
-        <p:spPr/>
+        <p:spPr>
+          <a:xfrm>
+            <a:off x="838200" y="609600"/>
+            <a:ext cx="10515600" cy="304800"/>
+          </a:xfrm>
+        </p:spPr>
         <p:txBody>
-          <a:bodyPr/>
+          <a:bodyPr>
+            <a:normAutofit fontScale="90000"/>
+          </a:bodyPr>
           <a:lstStyle/>
           <a:p>
             <a:r>
@@ -4195,53 +4353,479 @@
                   <a:srgbClr val="00B050"/>
                 </a:solidFill>
               </a:rPr>
-              <a:t>Moisture Content Measurement – </a:t>
-            </a:r>
-            <a:r>
-              <a:rPr lang="en-US" dirty="0" smtClean="0">
-                <a:solidFill>
-                  <a:srgbClr val="00B050"/>
-                </a:solidFill>
-              </a:rPr>
-              <a:t>Electronics sensor</a:t>
-            </a:r>
+              <a:t>Computer Program for Soil Compaction Design?</a:t>
+            </a:r>
+            <a:r>
+              <a:rPr lang="en-US" dirty="0" smtClean="0"/>
+              <a:t/>
+            </a:r>
+            <a:br>
+              <a:rPr lang="en-US" dirty="0" smtClean="0"/>
+            </a:br>
             <a:endParaRPr lang="en-US" dirty="0"/>
           </a:p>
         </p:txBody>
       </p:sp>
-      <p:pic>
-        <p:nvPicPr>
-          <p:cNvPr id="4" name="Content Placeholder 3"/>
-          <p:cNvPicPr>
-            <a:picLocks noGrp="1" noChangeAspect="1"/>
-          </p:cNvPicPr>
+      <p:sp>
+        <p:nvSpPr>
+          <p:cNvPr id="3" name="Content Placeholder 2"/>
+          <p:cNvSpPr>
+            <a:spLocks noGrp="1"/>
+          </p:cNvSpPr>
           <p:nvPr>
             <p:ph idx="1"/>
           </p:nvPr>
-        </p:nvPicPr>
-        <p:blipFill>
-          <a:blip r:embed="rId2">
-            <a:extLst>
-              <a:ext uri="{28A0092B-C50C-407E-A947-70E740481C1C}">
-                <a14:useLocalDpi xmlns:a14="http://schemas.microsoft.com/office/drawing/2010/main" val="0"/>
-              </a:ext>
-            </a:extLst>
-          </a:blip>
-          <a:stretch>
-            <a:fillRect/>
-          </a:stretch>
-        </p:blipFill>
+        </p:nvSpPr>
         <p:spPr>
           <a:xfrm>
-            <a:off x="1745742" y="1690688"/>
-            <a:ext cx="7539374" cy="4351338"/>
+            <a:off x="838200" y="762000"/>
+            <a:ext cx="10515600" cy="5364163"/>
           </a:xfrm>
         </p:spPr>
-      </p:pic>
+        <p:txBody>
+          <a:bodyPr>
+            <a:normAutofit/>
+          </a:bodyPr>
+          <a:lstStyle/>
+          <a:p>
+            <a:r>
+              <a:rPr lang="en-US" sz="4000" i="1" dirty="0" smtClean="0">
+                <a:solidFill>
+                  <a:schemeClr val="accent2"/>
+                </a:solidFill>
+              </a:rPr>
+              <a:t>Result are not so good</a:t>
+            </a:r>
+          </a:p>
+          <a:p>
+            <a:r>
+              <a:rPr lang="en-US" sz="4000" i="1" dirty="0" smtClean="0">
+                <a:solidFill>
+                  <a:schemeClr val="accent2"/>
+                </a:solidFill>
+              </a:rPr>
+              <a:t>For Soil with 10% clay Particle</a:t>
+            </a:r>
+          </a:p>
+          <a:p>
+            <a:r>
+              <a:rPr lang="en-US" sz="4000" i="1" dirty="0" smtClean="0">
+                <a:solidFill>
+                  <a:schemeClr val="accent2"/>
+                </a:solidFill>
+              </a:rPr>
+              <a:t>For initial </a:t>
+            </a:r>
+            <a:r>
+              <a:rPr lang="en-US" sz="4000" i="1" dirty="0">
+                <a:solidFill>
+                  <a:schemeClr val="accent2"/>
+                </a:solidFill>
+              </a:rPr>
+              <a:t>Dry </a:t>
+            </a:r>
+            <a:r>
+              <a:rPr lang="en-US" sz="4000" i="1" dirty="0" smtClean="0">
+                <a:solidFill>
+                  <a:schemeClr val="accent2"/>
+                </a:solidFill>
+              </a:rPr>
+              <a:t>Density=1.39 </a:t>
+            </a:r>
+            <a:r>
+              <a:rPr lang="en-US" sz="4000" i="1" dirty="0" err="1" smtClean="0">
+                <a:solidFill>
+                  <a:schemeClr val="accent2"/>
+                </a:solidFill>
+              </a:rPr>
+              <a:t>mton</a:t>
+            </a:r>
+            <a:r>
+              <a:rPr lang="en-US" sz="4000" i="1" dirty="0" smtClean="0">
+                <a:solidFill>
+                  <a:schemeClr val="accent2"/>
+                </a:solidFill>
+              </a:rPr>
+              <a:t>/cum (87 </a:t>
+            </a:r>
+            <a:r>
+              <a:rPr lang="en-US" sz="4000" i="1" dirty="0" err="1" smtClean="0">
+                <a:solidFill>
+                  <a:schemeClr val="accent2"/>
+                </a:solidFill>
+              </a:rPr>
+              <a:t>lb</a:t>
+            </a:r>
+            <a:r>
+              <a:rPr lang="en-US" sz="4000" i="1" dirty="0" smtClean="0">
+                <a:solidFill>
+                  <a:schemeClr val="accent2"/>
+                </a:solidFill>
+              </a:rPr>
+              <a:t>/</a:t>
+            </a:r>
+            <a:r>
+              <a:rPr lang="en-US" sz="4000" i="1" dirty="0" err="1" smtClean="0">
+                <a:solidFill>
+                  <a:schemeClr val="accent2"/>
+                </a:solidFill>
+              </a:rPr>
+              <a:t>cft</a:t>
+            </a:r>
+            <a:r>
+              <a:rPr lang="en-US" sz="4000" i="1" dirty="0" smtClean="0">
+                <a:solidFill>
+                  <a:schemeClr val="accent2"/>
+                </a:solidFill>
+              </a:rPr>
+              <a:t>)</a:t>
+            </a:r>
+          </a:p>
+          <a:p>
+            <a:r>
+              <a:rPr lang="en-US" sz="4000" i="1" dirty="0" smtClean="0">
+                <a:solidFill>
+                  <a:schemeClr val="accent2"/>
+                </a:solidFill>
+              </a:rPr>
+              <a:t>To Attain Final </a:t>
+            </a:r>
+            <a:r>
+              <a:rPr lang="en-US" sz="4000" i="1" dirty="0">
+                <a:solidFill>
+                  <a:schemeClr val="accent2"/>
+                </a:solidFill>
+              </a:rPr>
+              <a:t>Dry </a:t>
+            </a:r>
+            <a:r>
+              <a:rPr lang="en-US" sz="4000" i="1" dirty="0" smtClean="0">
+                <a:solidFill>
+                  <a:schemeClr val="accent2"/>
+                </a:solidFill>
+              </a:rPr>
+              <a:t>Density=1.75mton/cum (109 </a:t>
+            </a:r>
+            <a:r>
+              <a:rPr lang="en-US" sz="4000" i="1" dirty="0" err="1" smtClean="0">
+                <a:solidFill>
+                  <a:schemeClr val="accent2"/>
+                </a:solidFill>
+              </a:rPr>
+              <a:t>lb</a:t>
+            </a:r>
+            <a:r>
+              <a:rPr lang="en-US" sz="4000" i="1" dirty="0" smtClean="0">
+                <a:solidFill>
+                  <a:schemeClr val="accent2"/>
+                </a:solidFill>
+              </a:rPr>
+              <a:t>/</a:t>
+            </a:r>
+            <a:r>
+              <a:rPr lang="en-US" sz="4000" i="1" dirty="0" err="1" smtClean="0">
+                <a:solidFill>
+                  <a:schemeClr val="accent2"/>
+                </a:solidFill>
+              </a:rPr>
+              <a:t>cft</a:t>
+            </a:r>
+            <a:r>
+              <a:rPr lang="en-US" sz="4000" i="1" dirty="0" smtClean="0">
+                <a:solidFill>
+                  <a:schemeClr val="accent2"/>
+                </a:solidFill>
+              </a:rPr>
+              <a:t>)</a:t>
+            </a:r>
+          </a:p>
+          <a:p>
+            <a:r>
+              <a:rPr lang="en-US" sz="4000" i="1" dirty="0" smtClean="0">
+                <a:solidFill>
+                  <a:schemeClr val="accent2"/>
+                </a:solidFill>
+              </a:rPr>
+              <a:t>With 20 ton smoothed drum roller </a:t>
+            </a:r>
+          </a:p>
+          <a:p>
+            <a:r>
+              <a:rPr lang="en-US" sz="4000" i="1" dirty="0" smtClean="0">
+                <a:solidFill>
+                  <a:schemeClr val="accent2"/>
+                </a:solidFill>
+              </a:rPr>
+              <a:t>Maximum lift thickness=22 cm</a:t>
+            </a:r>
+          </a:p>
+          <a:p>
+            <a:r>
+              <a:rPr lang="en-US" sz="4000" i="1" dirty="0" smtClean="0">
+                <a:solidFill>
+                  <a:schemeClr val="accent2"/>
+                </a:solidFill>
+              </a:rPr>
+              <a:t>No of Passes=15</a:t>
+            </a:r>
+          </a:p>
+          <a:p>
+            <a:endParaRPr lang="en-US" sz="4000" i="1" dirty="0" smtClean="0">
+              <a:solidFill>
+                <a:schemeClr val="accent2"/>
+              </a:solidFill>
+            </a:endParaRPr>
+          </a:p>
+          <a:p>
+            <a:endParaRPr lang="en-US" sz="4000" i="1" dirty="0">
+              <a:solidFill>
+                <a:schemeClr val="accent2"/>
+              </a:solidFill>
+            </a:endParaRPr>
+          </a:p>
+          <a:p>
+            <a:pPr marL="0" indent="0">
+              <a:buNone/>
+            </a:pPr>
+            <a:endParaRPr lang="en-US" sz="4000" dirty="0">
+              <a:solidFill>
+                <a:srgbClr val="00B050"/>
+              </a:solidFill>
+              <a:latin typeface="+mj-lt"/>
+              <a:ea typeface="+mj-ea"/>
+              <a:cs typeface="+mj-cs"/>
+            </a:endParaRPr>
+          </a:p>
+        </p:txBody>
+      </p:sp>
     </p:spTree>
     <p:extLst>
       <p:ext uri="{BB962C8B-B14F-4D97-AF65-F5344CB8AC3E}">
-        <p14:creationId xmlns:p14="http://schemas.microsoft.com/office/powerpoint/2010/main" val="2417706383"/>
+        <p14:creationId xmlns:p14="http://schemas.microsoft.com/office/powerpoint/2010/main" val="4206193319"/>
+      </p:ext>
+    </p:extLst>
+  </p:cSld>
+  <p:clrMapOvr>
+    <a:masterClrMapping/>
+  </p:clrMapOvr>
+  <p:timing>
+    <p:tnLst>
+      <p:par>
+        <p:cTn id="1" dur="indefinite" restart="never" nodeType="tmRoot"/>
+      </p:par>
+    </p:tnLst>
+  </p:timing>
+</p:sld>
+</file>
+
+<file path=ppt/slides/slide14.xml><?xml version="1.0" encoding="utf-8"?>
+<p:sld xmlns:a="http://schemas.openxmlformats.org/drawingml/2006/main" xmlns:r="http://schemas.openxmlformats.org/officeDocument/2006/relationships" xmlns:p="http://schemas.openxmlformats.org/presentationml/2006/main">
+  <p:cSld>
+    <p:spTree>
+      <p:nvGrpSpPr>
+        <p:cNvPr id="1" name=""/>
+        <p:cNvGrpSpPr/>
+        <p:nvPr/>
+      </p:nvGrpSpPr>
+      <p:grpSpPr>
+        <a:xfrm>
+          <a:off x="0" y="0"/>
+          <a:ext cx="0" cy="0"/>
+          <a:chOff x="0" y="0"/>
+          <a:chExt cx="0" cy="0"/>
+        </a:xfrm>
+      </p:grpSpPr>
+      <p:sp>
+        <p:nvSpPr>
+          <p:cNvPr id="2" name="Title 1"/>
+          <p:cNvSpPr>
+            <a:spLocks noGrp="1"/>
+          </p:cNvSpPr>
+          <p:nvPr>
+            <p:ph type="title"/>
+          </p:nvPr>
+        </p:nvSpPr>
+        <p:spPr>
+          <a:xfrm>
+            <a:off x="300941" y="219920"/>
+            <a:ext cx="12014521" cy="694480"/>
+          </a:xfrm>
+        </p:spPr>
+        <p:txBody>
+          <a:bodyPr>
+            <a:normAutofit fontScale="90000"/>
+          </a:bodyPr>
+          <a:lstStyle/>
+          <a:p>
+            <a:r>
+              <a:rPr lang="en-US" dirty="0" smtClean="0">
+                <a:solidFill>
+                  <a:srgbClr val="00B050"/>
+                </a:solidFill>
+              </a:rPr>
+              <a:t>Conclusion</a:t>
+            </a:r>
+            <a:r>
+              <a:rPr lang="en-US" dirty="0" smtClean="0"/>
+              <a:t/>
+            </a:r>
+            <a:br>
+              <a:rPr lang="en-US" dirty="0" smtClean="0"/>
+            </a:br>
+            <a:endParaRPr lang="en-US" dirty="0"/>
+          </a:p>
+        </p:txBody>
+      </p:sp>
+      <p:sp>
+        <p:nvSpPr>
+          <p:cNvPr id="3" name="Content Placeholder 2"/>
+          <p:cNvSpPr>
+            <a:spLocks noGrp="1"/>
+          </p:cNvSpPr>
+          <p:nvPr>
+            <p:ph idx="1"/>
+          </p:nvPr>
+        </p:nvSpPr>
+        <p:spPr>
+          <a:xfrm>
+            <a:off x="838200" y="762000"/>
+            <a:ext cx="10515600" cy="5364163"/>
+          </a:xfrm>
+        </p:spPr>
+        <p:txBody>
+          <a:bodyPr>
+            <a:normAutofit/>
+          </a:bodyPr>
+          <a:lstStyle/>
+          <a:p>
+            <a:r>
+              <a:rPr lang="en-US" sz="4000" i="1" dirty="0" err="1">
+                <a:solidFill>
+                  <a:schemeClr val="accent2"/>
+                </a:solidFill>
+              </a:rPr>
+              <a:t>Ebid’s</a:t>
+            </a:r>
+            <a:r>
+              <a:rPr lang="en-US" sz="4000" i="1" dirty="0">
+                <a:solidFill>
+                  <a:schemeClr val="accent2"/>
+                </a:solidFill>
+              </a:rPr>
+              <a:t> equation is </a:t>
+            </a:r>
+            <a:r>
+              <a:rPr lang="en-US" sz="4000" i="1" dirty="0" smtClean="0">
+                <a:solidFill>
+                  <a:schemeClr val="accent2"/>
+                </a:solidFill>
+              </a:rPr>
+              <a:t>Reasonable </a:t>
+            </a:r>
+            <a:r>
+              <a:rPr lang="en-US" sz="4000" i="1" dirty="0">
+                <a:solidFill>
+                  <a:schemeClr val="accent2"/>
+                </a:solidFill>
+              </a:rPr>
+              <a:t>for Sand</a:t>
+            </a:r>
+            <a:r>
+              <a:rPr lang="en-US" sz="4000" i="1" dirty="0" smtClean="0">
+                <a:solidFill>
+                  <a:schemeClr val="accent2"/>
+                </a:solidFill>
+              </a:rPr>
+              <a:t>.</a:t>
+            </a:r>
+          </a:p>
+          <a:p>
+            <a:r>
+              <a:rPr lang="en-US" sz="4000" i="1" dirty="0">
+                <a:solidFill>
+                  <a:schemeClr val="accent2"/>
+                </a:solidFill>
+              </a:rPr>
+              <a:t>It’s very sensitive for fine grained soil which contains </a:t>
+            </a:r>
+            <a:r>
+              <a:rPr lang="en-US" sz="4000" i="1" dirty="0" smtClean="0">
+                <a:solidFill>
+                  <a:schemeClr val="accent2"/>
+                </a:solidFill>
+              </a:rPr>
+              <a:t>clay.</a:t>
+            </a:r>
+          </a:p>
+          <a:p>
+            <a:r>
+              <a:rPr lang="en-US" sz="4000" i="1" dirty="0" smtClean="0">
+                <a:solidFill>
+                  <a:schemeClr val="accent2"/>
+                </a:solidFill>
+              </a:rPr>
+              <a:t>Further Improvement Can be Done. </a:t>
+            </a:r>
+            <a:endParaRPr lang="en-US" sz="4000" i="1" dirty="0">
+              <a:solidFill>
+                <a:schemeClr val="accent2"/>
+              </a:solidFill>
+            </a:endParaRPr>
+          </a:p>
+          <a:p>
+            <a:endParaRPr lang="en-US" sz="4000" i="1" dirty="0" smtClean="0">
+              <a:solidFill>
+                <a:schemeClr val="accent2"/>
+              </a:solidFill>
+            </a:endParaRPr>
+          </a:p>
+          <a:p>
+            <a:endParaRPr lang="en-US" sz="4000" i="1" dirty="0">
+              <a:solidFill>
+                <a:schemeClr val="accent2"/>
+              </a:solidFill>
+            </a:endParaRPr>
+          </a:p>
+          <a:p>
+            <a:endParaRPr lang="en-US" sz="4000" i="1" dirty="0" smtClean="0">
+              <a:solidFill>
+                <a:schemeClr val="accent2"/>
+              </a:solidFill>
+            </a:endParaRPr>
+          </a:p>
+          <a:p>
+            <a:endParaRPr lang="en-US" sz="4000" i="1" dirty="0" smtClean="0">
+              <a:solidFill>
+                <a:schemeClr val="accent2"/>
+              </a:solidFill>
+            </a:endParaRPr>
+          </a:p>
+          <a:p>
+            <a:endParaRPr lang="en-US" sz="4000" i="1" dirty="0">
+              <a:solidFill>
+                <a:schemeClr val="accent2"/>
+              </a:solidFill>
+            </a:endParaRPr>
+          </a:p>
+          <a:p>
+            <a:pPr marL="0" indent="0">
+              <a:buNone/>
+            </a:pPr>
+            <a:endParaRPr lang="en-US" sz="4000" dirty="0">
+              <a:solidFill>
+                <a:srgbClr val="00B050"/>
+              </a:solidFill>
+              <a:latin typeface="+mj-lt"/>
+              <a:ea typeface="+mj-ea"/>
+              <a:cs typeface="+mj-cs"/>
+            </a:endParaRPr>
+          </a:p>
+        </p:txBody>
+      </p:sp>
+    </p:spTree>
+    <p:extLst>
+      <p:ext uri="{BB962C8B-B14F-4D97-AF65-F5344CB8AC3E}">
+        <p14:creationId xmlns:p14="http://schemas.microsoft.com/office/powerpoint/2010/main" val="63917304"/>
       </p:ext>
     </p:extLst>
   </p:cSld>
@@ -4259,6 +4843,317 @@
 </file>
 
 <file path=ppt/slides/slide2.xml><?xml version="1.0" encoding="utf-8"?>
+<p:sld xmlns:a="http://schemas.openxmlformats.org/drawingml/2006/main" xmlns:r="http://schemas.openxmlformats.org/officeDocument/2006/relationships" xmlns:p="http://schemas.openxmlformats.org/presentationml/2006/main">
+  <p:cSld>
+    <p:spTree>
+      <p:nvGrpSpPr>
+        <p:cNvPr id="1" name=""/>
+        <p:cNvGrpSpPr/>
+        <p:nvPr/>
+      </p:nvGrpSpPr>
+      <p:grpSpPr>
+        <a:xfrm>
+          <a:off x="0" y="0"/>
+          <a:ext cx="0" cy="0"/>
+          <a:chOff x="0" y="0"/>
+          <a:chExt cx="0" cy="0"/>
+        </a:xfrm>
+      </p:grpSpPr>
+      <p:sp>
+        <p:nvSpPr>
+          <p:cNvPr id="2" name="Title 1"/>
+          <p:cNvSpPr>
+            <a:spLocks noGrp="1"/>
+          </p:cNvSpPr>
+          <p:nvPr>
+            <p:ph type="ctrTitle"/>
+          </p:nvPr>
+        </p:nvSpPr>
+        <p:spPr>
+          <a:xfrm>
+            <a:off x="1282890" y="112429"/>
+            <a:ext cx="9990161" cy="911153"/>
+          </a:xfrm>
+        </p:spPr>
+        <p:txBody>
+          <a:bodyPr>
+            <a:normAutofit fontScale="90000"/>
+          </a:bodyPr>
+          <a:lstStyle/>
+          <a:p>
+            <a:r>
+              <a:rPr lang="en-US" dirty="0" smtClean="0">
+                <a:solidFill>
+                  <a:srgbClr val="00B050"/>
+                </a:solidFill>
+              </a:rPr>
+              <a:t>R </a:t>
+            </a:r>
+            <a:r>
+              <a:rPr lang="en-US" dirty="0" err="1" smtClean="0">
+                <a:solidFill>
+                  <a:srgbClr val="00B050"/>
+                </a:solidFill>
+              </a:rPr>
+              <a:t>R</a:t>
+            </a:r>
+            <a:r>
+              <a:rPr lang="en-US" dirty="0" smtClean="0">
+                <a:solidFill>
+                  <a:srgbClr val="00B050"/>
+                </a:solidFill>
+              </a:rPr>
+              <a:t> Proctor</a:t>
+            </a:r>
+            <a:endParaRPr lang="en-US" dirty="0">
+              <a:solidFill>
+                <a:srgbClr val="00B050"/>
+              </a:solidFill>
+            </a:endParaRPr>
+          </a:p>
+        </p:txBody>
+      </p:sp>
+      <p:sp>
+        <p:nvSpPr>
+          <p:cNvPr id="3" name="Subtitle 2"/>
+          <p:cNvSpPr>
+            <a:spLocks noGrp="1"/>
+          </p:cNvSpPr>
+          <p:nvPr>
+            <p:ph type="subTitle" idx="1"/>
+          </p:nvPr>
+        </p:nvSpPr>
+        <p:spPr>
+          <a:xfrm>
+            <a:off x="750627" y="873457"/>
+            <a:ext cx="11013743" cy="5172501"/>
+          </a:xfrm>
+        </p:spPr>
+        <p:txBody>
+          <a:bodyPr>
+            <a:normAutofit fontScale="85000" lnSpcReduction="20000"/>
+          </a:bodyPr>
+          <a:lstStyle/>
+          <a:p>
+            <a:endParaRPr lang="en-US" dirty="0"/>
+          </a:p>
+          <a:p>
+            <a:endParaRPr lang="en-US" dirty="0" smtClean="0"/>
+          </a:p>
+          <a:p>
+            <a:endParaRPr lang="en-US" dirty="0"/>
+          </a:p>
+          <a:p>
+            <a:endParaRPr lang="en-US" dirty="0" smtClean="0"/>
+          </a:p>
+          <a:p>
+            <a:endParaRPr lang="en-US" dirty="0"/>
+          </a:p>
+          <a:p>
+            <a:endParaRPr lang="en-US" dirty="0" smtClean="0"/>
+          </a:p>
+          <a:p>
+            <a:endParaRPr lang="en-US" dirty="0"/>
+          </a:p>
+          <a:p>
+            <a:pPr algn="l">
+              <a:lnSpc>
+                <a:spcPct val="100000"/>
+              </a:lnSpc>
+            </a:pPr>
+            <a:endParaRPr lang="en-US" sz="2800" i="1" dirty="0" smtClean="0">
+              <a:solidFill>
+                <a:schemeClr val="accent2"/>
+              </a:solidFill>
+            </a:endParaRPr>
+          </a:p>
+          <a:p>
+            <a:pPr algn="l">
+              <a:lnSpc>
+                <a:spcPct val="100000"/>
+              </a:lnSpc>
+            </a:pPr>
+            <a:endParaRPr lang="en-US" sz="2800" i="1" dirty="0" smtClean="0">
+              <a:solidFill>
+                <a:schemeClr val="accent2"/>
+              </a:solidFill>
+            </a:endParaRPr>
+          </a:p>
+          <a:p>
+            <a:pPr algn="l">
+              <a:lnSpc>
+                <a:spcPct val="100000"/>
+              </a:lnSpc>
+            </a:pPr>
+            <a:r>
+              <a:rPr lang="en-US" sz="2800" i="1" dirty="0" smtClean="0">
+                <a:solidFill>
+                  <a:schemeClr val="accent2"/>
+                </a:solidFill>
+              </a:rPr>
+              <a:t>First </a:t>
+            </a:r>
+            <a:r>
+              <a:rPr lang="en-US" sz="2800" i="1" dirty="0">
+                <a:solidFill>
+                  <a:schemeClr val="accent2"/>
+                </a:solidFill>
+              </a:rPr>
+              <a:t>Scientific Study on Soil Compaction is Done by </a:t>
+            </a:r>
+            <a:r>
+              <a:rPr lang="en-US" sz="2800" i="1" dirty="0">
+                <a:solidFill>
+                  <a:schemeClr val="accent2"/>
+                </a:solidFill>
+              </a:rPr>
+              <a:t>Ralph Roscoe </a:t>
+            </a:r>
+            <a:r>
+              <a:rPr lang="en-US" sz="2800" i="1" dirty="0">
+                <a:solidFill>
+                  <a:schemeClr val="accent2"/>
+                </a:solidFill>
+              </a:rPr>
+              <a:t>Proctor</a:t>
+            </a:r>
+          </a:p>
+          <a:p>
+            <a:pPr algn="l">
+              <a:lnSpc>
+                <a:spcPct val="100000"/>
+              </a:lnSpc>
+            </a:pPr>
+            <a:r>
+              <a:rPr lang="en-US" sz="2800" i="1" dirty="0" smtClean="0">
+                <a:solidFill>
+                  <a:schemeClr val="accent2"/>
+                </a:solidFill>
+              </a:rPr>
+              <a:t>During </a:t>
+            </a:r>
+            <a:r>
+              <a:rPr lang="en-US" sz="2800" i="1" dirty="0">
+                <a:solidFill>
+                  <a:schemeClr val="accent2"/>
+                </a:solidFill>
+              </a:rPr>
+              <a:t>the construction of </a:t>
+            </a:r>
+            <a:r>
+              <a:rPr lang="en-US" sz="2800" i="1" dirty="0">
+                <a:solidFill>
+                  <a:srgbClr val="00B050"/>
+                </a:solidFill>
+              </a:rPr>
+              <a:t>Bouquet Canyon Dam (1932 to 1934), </a:t>
+            </a:r>
+            <a:r>
+              <a:rPr lang="en-US" sz="2800" i="1" dirty="0" smtClean="0">
+                <a:solidFill>
+                  <a:srgbClr val="00B050"/>
+                </a:solidFill>
+              </a:rPr>
+              <a:t>he observed that compaction is related to moisture content and </a:t>
+            </a:r>
+            <a:r>
+              <a:rPr lang="en-US" sz="2800" i="1" dirty="0" err="1" smtClean="0">
+                <a:solidFill>
+                  <a:srgbClr val="00B050"/>
+                </a:solidFill>
+              </a:rPr>
+              <a:t>comapcive</a:t>
+            </a:r>
+            <a:r>
+              <a:rPr lang="en-US" sz="2800" i="1" dirty="0" smtClean="0">
+                <a:solidFill>
+                  <a:srgbClr val="00B050"/>
+                </a:solidFill>
+              </a:rPr>
+              <a:t> effort.</a:t>
+            </a:r>
+            <a:endParaRPr lang="en-US" sz="2800" i="1" dirty="0" smtClean="0">
+              <a:solidFill>
+                <a:srgbClr val="00B050"/>
+              </a:solidFill>
+            </a:endParaRPr>
+          </a:p>
+          <a:p>
+            <a:pPr algn="l">
+              <a:lnSpc>
+                <a:spcPct val="100000"/>
+              </a:lnSpc>
+            </a:pPr>
+            <a:r>
+              <a:rPr lang="en-US" sz="2800" i="1" dirty="0" smtClean="0">
+                <a:solidFill>
+                  <a:schemeClr val="accent2"/>
+                </a:solidFill>
+              </a:rPr>
+              <a:t>He developed </a:t>
+            </a:r>
+            <a:r>
+              <a:rPr lang="en-US" sz="2800" i="1" dirty="0">
+                <a:solidFill>
+                  <a:schemeClr val="accent2"/>
+                </a:solidFill>
+              </a:rPr>
+              <a:t>what we now call the "Proctor-test", to determine the optimum water content of the compacted earth fill used for the dam core construction.</a:t>
+            </a:r>
+          </a:p>
+        </p:txBody>
+      </p:sp>
+      <p:pic>
+        <p:nvPicPr>
+          <p:cNvPr id="4" name="Picture 3"/>
+          <p:cNvPicPr>
+            <a:picLocks noChangeAspect="1"/>
+          </p:cNvPicPr>
+          <p:nvPr/>
+        </p:nvPicPr>
+        <p:blipFill>
+          <a:blip r:embed="rId3">
+            <a:extLst>
+              <a:ext uri="{28A0092B-C50C-407E-A947-70E740481C1C}">
+                <a14:useLocalDpi xmlns:a14="http://schemas.microsoft.com/office/drawing/2010/main" val="0"/>
+              </a:ext>
+            </a:extLst>
+          </a:blip>
+          <a:stretch>
+            <a:fillRect/>
+          </a:stretch>
+        </p:blipFill>
+        <p:spPr>
+          <a:xfrm>
+            <a:off x="750627" y="873457"/>
+            <a:ext cx="2893325" cy="2912159"/>
+          </a:xfrm>
+          <a:prstGeom prst="rect">
+            <a:avLst/>
+          </a:prstGeom>
+        </p:spPr>
+      </p:pic>
+    </p:spTree>
+    <p:extLst>
+      <p:ext uri="{BB962C8B-B14F-4D97-AF65-F5344CB8AC3E}">
+        <p14:creationId xmlns:p14="http://schemas.microsoft.com/office/powerpoint/2010/main" val="3060113080"/>
+      </p:ext>
+    </p:extLst>
+  </p:cSld>
+  <p:clrMapOvr>
+    <a:masterClrMapping/>
+  </p:clrMapOvr>
+  <p:timing>
+    <p:tnLst>
+      <p:par>
+        <p:cTn id="1" dur="indefinite" restart="never" nodeType="tmRoot"/>
+      </p:par>
+    </p:tnLst>
+  </p:timing>
+</p:sld>
+</file>
+
+<file path=ppt/slides/slide3.xml><?xml version="1.0" encoding="utf-8"?>
 <p:sld xmlns:a="http://schemas.openxmlformats.org/drawingml/2006/main" xmlns:r="http://schemas.openxmlformats.org/officeDocument/2006/relationships" xmlns:p="http://schemas.openxmlformats.org/presentationml/2006/main">
   <p:cSld>
     <p:spTree>
@@ -5433,7 +6328,7 @@
 </p:sld>
 </file>
 
-<file path=ppt/slides/slide3.xml><?xml version="1.0" encoding="utf-8"?>
+<file path=ppt/slides/slide4.xml><?xml version="1.0" encoding="utf-8"?>
 <p:sld xmlns:a="http://schemas.openxmlformats.org/drawingml/2006/main" xmlns:r="http://schemas.openxmlformats.org/officeDocument/2006/relationships" xmlns:p="http://schemas.openxmlformats.org/presentationml/2006/main">
   <p:cSld>
     <p:spTree>
@@ -5675,7 +6570,7 @@
 </p:sld>
 </file>
 
-<file path=ppt/slides/slide4.xml><?xml version="1.0" encoding="utf-8"?>
+<file path=ppt/slides/slide5.xml><?xml version="1.0" encoding="utf-8"?>
 <p:sld xmlns:a="http://schemas.openxmlformats.org/drawingml/2006/main" xmlns:r="http://schemas.openxmlformats.org/officeDocument/2006/relationships" xmlns:p="http://schemas.openxmlformats.org/presentationml/2006/main">
   <p:cSld>
     <p:spTree>
@@ -6634,7 +7529,7 @@
 </p:sld>
 </file>
 
-<file path=ppt/slides/slide5.xml><?xml version="1.0" encoding="utf-8"?>
+<file path=ppt/slides/slide6.xml><?xml version="1.0" encoding="utf-8"?>
 <p:sld xmlns:a="http://schemas.openxmlformats.org/drawingml/2006/main" xmlns:r="http://schemas.openxmlformats.org/officeDocument/2006/relationships" xmlns:p="http://schemas.openxmlformats.org/presentationml/2006/main">
   <p:cSld>
     <p:spTree>
@@ -7849,7 +8744,7 @@
             <a:fld id="{F10DC7AE-D3C3-4D67-BE93-7D676E21DF42}" type="slidenum">
               <a:rPr lang="ar-IQ" smtClean="0"/>
               <a:pPr/>
-              <a:t>5</a:t>
+              <a:t>6</a:t>
             </a:fld>
             <a:endParaRPr lang="ar-IQ"/>
           </a:p>
@@ -8734,7 +9629,7 @@
 </p:sld>
 </file>
 
-<file path=ppt/slides/slide6.xml><?xml version="1.0" encoding="utf-8"?>
+<file path=ppt/slides/slide7.xml><?xml version="1.0" encoding="utf-8"?>
 <p:sld xmlns:a="http://schemas.openxmlformats.org/drawingml/2006/main" xmlns:r="http://schemas.openxmlformats.org/officeDocument/2006/relationships" xmlns:p="http://schemas.openxmlformats.org/presentationml/2006/main">
   <p:cSld>
     <p:spTree>
@@ -9760,7 +10655,7 @@
 </p:sld>
 </file>
 
-<file path=ppt/slides/slide7.xml><?xml version="1.0" encoding="utf-8"?>
+<file path=ppt/slides/slide8.xml><?xml version="1.0" encoding="utf-8"?>
 <p:sld xmlns:a="http://schemas.openxmlformats.org/drawingml/2006/main" xmlns:r="http://schemas.openxmlformats.org/officeDocument/2006/relationships" xmlns:p="http://schemas.openxmlformats.org/presentationml/2006/main">
   <p:cSld>
     <p:spTree>
@@ -10300,7 +11195,7 @@
 </p:sld>
 </file>
 
-<file path=ppt/slides/slide8.xml><?xml version="1.0" encoding="utf-8"?>
+<file path=ppt/slides/slide9.xml><?xml version="1.0" encoding="utf-8"?>
 <p:sld xmlns:a="http://schemas.openxmlformats.org/drawingml/2006/main" xmlns:r="http://schemas.openxmlformats.org/officeDocument/2006/relationships" xmlns:p="http://schemas.openxmlformats.org/presentationml/2006/main">
   <p:cSld>
     <p:spTree>
@@ -10588,7 +11483,39 @@
                           <a:latin typeface="Cambria Math" panose="02040503050406030204" pitchFamily="18" charset="0"/>
                           <a:cs typeface="+mn-cs"/>
                         </a:rPr>
-                        <m:t>=30∗</m:t>
+                        <m:t>=</m:t>
+                      </m:r>
+                      <m:r>
+                        <a:rPr kumimoji="0" lang="en-US" sz="3200" b="0" i="1" u="none" strike="noStrike" kern="0" cap="none" spc="0" normalizeH="0" baseline="0" noProof="0" smtClean="0">
+                          <a:ln>
+                            <a:noFill/>
+                          </a:ln>
+                          <a:solidFill>
+                            <a:srgbClr val="00B050"/>
+                          </a:solidFill>
+                          <a:effectLst/>
+                          <a:uLnTx/>
+                          <a:uFillTx/>
+                          <a:latin typeface="Cambria Math" panose="02040503050406030204" pitchFamily="18" charset="0"/>
+                          <a:cs typeface="+mn-cs"/>
+                        </a:rPr>
+                        <m:t>30</m:t>
+                      </m:r>
+                      <m:r>
+                        <a:rPr kumimoji="0" lang="en-US" sz="3200" b="0" i="1" u="none" strike="noStrike" kern="0" cap="none" spc="0" normalizeH="0" baseline="0" noProof="0" smtClean="0">
+                          <a:ln>
+                            <a:noFill/>
+                          </a:ln>
+                          <a:solidFill>
+                            <a:srgbClr val="00B050"/>
+                          </a:solidFill>
+                          <a:effectLst/>
+                          <a:uLnTx/>
+                          <a:uFillTx/>
+                          <a:latin typeface="Cambria Math" panose="02040503050406030204" pitchFamily="18" charset="0"/>
+                          <a:cs typeface="+mn-cs"/>
+                        </a:rPr>
+                        <m:t>∗</m:t>
                       </m:r>
                       <m:d>
                         <m:dPr>
@@ -10623,7 +11550,87 @@
                               <a:latin typeface="Cambria Math" panose="02040503050406030204" pitchFamily="18" charset="0"/>
                               <a:cs typeface="+mn-cs"/>
                             </a:rPr>
-                            <m:t>1−0.5∗</m:t>
+                            <m:t>1</m:t>
+                          </m:r>
+                          <m:r>
+                            <a:rPr kumimoji="0" lang="en-US" sz="3200" b="0" i="1" u="none" strike="noStrike" kern="0" cap="none" spc="0" normalizeH="0" baseline="0" noProof="0" smtClean="0">
+                              <a:ln>
+                                <a:noFill/>
+                              </a:ln>
+                              <a:solidFill>
+                                <a:srgbClr val="00B050"/>
+                              </a:solidFill>
+                              <a:effectLst/>
+                              <a:uLnTx/>
+                              <a:uFillTx/>
+                              <a:latin typeface="Cambria Math" panose="02040503050406030204" pitchFamily="18" charset="0"/>
+                              <a:cs typeface="+mn-cs"/>
+                            </a:rPr>
+                            <m:t>−</m:t>
+                          </m:r>
+                          <m:r>
+                            <a:rPr kumimoji="0" lang="en-US" sz="3200" b="0" i="1" u="none" strike="noStrike" kern="0" cap="none" spc="0" normalizeH="0" baseline="0" noProof="0" smtClean="0">
+                              <a:ln>
+                                <a:noFill/>
+                              </a:ln>
+                              <a:solidFill>
+                                <a:srgbClr val="00B050"/>
+                              </a:solidFill>
+                              <a:effectLst/>
+                              <a:uLnTx/>
+                              <a:uFillTx/>
+                              <a:latin typeface="Cambria Math" panose="02040503050406030204" pitchFamily="18" charset="0"/>
+                              <a:cs typeface="+mn-cs"/>
+                            </a:rPr>
+                            <m:t>0</m:t>
+                          </m:r>
+                          <m:r>
+                            <a:rPr kumimoji="0" lang="en-US" sz="3200" b="0" i="1" u="none" strike="noStrike" kern="0" cap="none" spc="0" normalizeH="0" baseline="0" noProof="0" smtClean="0">
+                              <a:ln>
+                                <a:noFill/>
+                              </a:ln>
+                              <a:solidFill>
+                                <a:srgbClr val="00B050"/>
+                              </a:solidFill>
+                              <a:effectLst/>
+                              <a:uLnTx/>
+                              <a:uFillTx/>
+                              <a:latin typeface="Cambria Math" panose="02040503050406030204" pitchFamily="18" charset="0"/>
+                              <a:cs typeface="+mn-cs"/>
+                            </a:rPr>
+                            <m:t>.</m:t>
+                          </m:r>
+                          <m:r>
+                            <a:rPr kumimoji="0" lang="en-US" sz="3200" b="0" i="1" u="none" strike="noStrike" kern="0" cap="none" spc="0" normalizeH="0" baseline="0" noProof="0" smtClean="0">
+                              <a:ln>
+                                <a:noFill/>
+                              </a:ln>
+                              <a:solidFill>
+                                <a:srgbClr val="00B050"/>
+                              </a:solidFill>
+                              <a:effectLst/>
+                              <a:uLnTx/>
+                              <a:uFillTx/>
+                              <a:latin typeface="Cambria Math" panose="02040503050406030204" pitchFamily="18" charset="0"/>
+                              <a:cs typeface="+mn-cs"/>
+                            </a:rPr>
+                            <m:t>5</m:t>
+                          </m:r>
+                          <m:r>
+                            <a:rPr kumimoji="0" lang="en-US" sz="3200" b="0" i="1" u="none" strike="noStrike" kern="0" cap="none" spc="0" normalizeH="0" baseline="0" noProof="0" smtClean="0">
+                              <a:ln>
+                                <a:noFill/>
+                              </a:ln>
+                              <a:solidFill>
+                                <a:srgbClr val="00B050"/>
+                              </a:solidFill>
+                              <a:effectLst/>
+                              <a:uLnTx/>
+                              <a:uFillTx/>
+                              <a:latin typeface="Cambria Math" panose="02040503050406030204" pitchFamily="18" charset="0"/>
+                              <a:cs typeface="+mn-cs"/>
+                            </a:rPr>
+                            <m:t>∗</m:t>
                           </m:r>
                           <m:r>
                             <a:rPr kumimoji="0" lang="en-US" sz="3200" b="0" i="1" u="none" strike="noStrike" kern="0" cap="none" spc="0" normalizeH="0" baseline="0" noProof="0" smtClean="0">
@@ -10795,8 +11802,8 @@
           </p:sp>
         </mc:Fallback>
       </mc:AlternateContent>
-      <mc:AlternateContent xmlns:mc="http://schemas.openxmlformats.org/markup-compatibility/2006">
-        <mc:Choice xmlns:a14="http://schemas.microsoft.com/office/drawing/2010/main" Requires="a14">
+      <mc:AlternateContent xmlns:mc="http://schemas.openxmlformats.org/markup-compatibility/2006" xmlns:a14="http://schemas.microsoft.com/office/drawing/2010/main">
+        <mc:Choice Requires="a14">
           <p:sp>
             <p:nvSpPr>
               <p:cNvPr id="5" name="TextBox 9"/>
@@ -10983,7 +11990,27 @@
                           <a:latin typeface="Cambria Math" panose="02040503050406030204" pitchFamily="18" charset="0"/>
                           <a:ea typeface="Cambria Math" panose="02040503050406030204" pitchFamily="18" charset="0"/>
                         </a:rPr>
-                        <m:t>1.4</m:t>
+                        <m:t>1</m:t>
+                      </m:r>
+                      <m:r>
+                        <a:rPr lang="en-US" sz="2800" b="0" i="1">
+                          <a:solidFill>
+                            <a:srgbClr val="00B050"/>
+                          </a:solidFill>
+                          <a:latin typeface="Cambria Math" panose="02040503050406030204" pitchFamily="18" charset="0"/>
+                          <a:ea typeface="Cambria Math" panose="02040503050406030204" pitchFamily="18" charset="0"/>
+                        </a:rPr>
+                        <m:t>.</m:t>
+                      </m:r>
+                      <m:r>
+                        <a:rPr lang="en-US" sz="2800" b="0" i="1">
+                          <a:solidFill>
+                            <a:srgbClr val="00B050"/>
+                          </a:solidFill>
+                          <a:latin typeface="Cambria Math" panose="02040503050406030204" pitchFamily="18" charset="0"/>
+                          <a:ea typeface="Cambria Math" panose="02040503050406030204" pitchFamily="18" charset="0"/>
+                        </a:rPr>
+                        <m:t>4</m:t>
                       </m:r>
                       <m:r>
                         <a:rPr lang="en-US" sz="2800" b="0" i="1">
@@ -11018,7 +12045,47 @@
                               <a:latin typeface="Cambria Math" panose="02040503050406030204" pitchFamily="18" charset="0"/>
                               <a:ea typeface="Cambria Math" panose="02040503050406030204" pitchFamily="18" charset="0"/>
                             </a:rPr>
-                            <m:t>1−3.8</m:t>
+                            <m:t>1</m:t>
+                          </m:r>
+                          <m:r>
+                            <a:rPr lang="en-US" sz="2800" b="0" i="1">
+                              <a:solidFill>
+                                <a:srgbClr val="00B050"/>
+                              </a:solidFill>
+                              <a:latin typeface="Cambria Math" panose="02040503050406030204" pitchFamily="18" charset="0"/>
+                              <a:ea typeface="Cambria Math" panose="02040503050406030204" pitchFamily="18" charset="0"/>
+                            </a:rPr>
+                            <m:t>−</m:t>
+                          </m:r>
+                          <m:r>
+                            <a:rPr lang="en-US" sz="2800" b="0" i="1">
+                              <a:solidFill>
+                                <a:srgbClr val="00B050"/>
+                              </a:solidFill>
+                              <a:latin typeface="Cambria Math" panose="02040503050406030204" pitchFamily="18" charset="0"/>
+                              <a:ea typeface="Cambria Math" panose="02040503050406030204" pitchFamily="18" charset="0"/>
+                            </a:rPr>
+                            <m:t>3</m:t>
+                          </m:r>
+                          <m:r>
+                            <a:rPr lang="en-US" sz="2800" b="0" i="1">
+                              <a:solidFill>
+                                <a:srgbClr val="00B050"/>
+                              </a:solidFill>
+                              <a:latin typeface="Cambria Math" panose="02040503050406030204" pitchFamily="18" charset="0"/>
+                              <a:ea typeface="Cambria Math" panose="02040503050406030204" pitchFamily="18" charset="0"/>
+                            </a:rPr>
+                            <m:t>.</m:t>
+                          </m:r>
+                          <m:r>
+                            <a:rPr lang="en-US" sz="2800" b="0" i="1">
+                              <a:solidFill>
+                                <a:srgbClr val="00B050"/>
+                              </a:solidFill>
+                              <a:latin typeface="Cambria Math" panose="02040503050406030204" pitchFamily="18" charset="0"/>
+                              <a:ea typeface="Cambria Math" panose="02040503050406030204" pitchFamily="18" charset="0"/>
+                            </a:rPr>
+                            <m:t>8</m:t>
                           </m:r>
                           <m:r>
                             <a:rPr lang="en-US" sz="2800" b="0" i="1">
@@ -11104,7 +12171,37 @@
                                       <a:latin typeface="Cambria Math" panose="02040503050406030204" pitchFamily="18" charset="0"/>
                                       <a:ea typeface="Cambria Math" panose="02040503050406030204" pitchFamily="18" charset="0"/>
                                     </a:rPr>
-                                    <m:t>+1.5</m:t>
+                                    <m:t>+</m:t>
+                                  </m:r>
+                                  <m:r>
+                                    <a:rPr lang="en-US" sz="2800" b="0" i="1">
+                                      <a:solidFill>
+                                        <a:srgbClr val="00B050"/>
+                                      </a:solidFill>
+                                      <a:latin typeface="Cambria Math" panose="02040503050406030204" pitchFamily="18" charset="0"/>
+                                      <a:ea typeface="Cambria Math" panose="02040503050406030204" pitchFamily="18" charset="0"/>
+                                    </a:rPr>
+                                    <m:t>1</m:t>
+                                  </m:r>
+                                  <m:r>
+                                    <a:rPr lang="en-US" sz="2800" b="0" i="1">
+                                      <a:solidFill>
+                                        <a:srgbClr val="00B050"/>
+                                      </a:solidFill>
+                                      <a:latin typeface="Cambria Math" panose="02040503050406030204" pitchFamily="18" charset="0"/>
+                                      <a:ea typeface="Cambria Math" panose="02040503050406030204" pitchFamily="18" charset="0"/>
+                                    </a:rPr>
+                                    <m:t>.</m:t>
+                                  </m:r>
+                                  <m:r>
+                                    <a:rPr lang="en-US" sz="2800" b="0" i="1">
+                                      <a:solidFill>
+                                        <a:srgbClr val="00B050"/>
+                                      </a:solidFill>
+                                      <a:latin typeface="Cambria Math" panose="02040503050406030204" pitchFamily="18" charset="0"/>
+                                      <a:ea typeface="Cambria Math" panose="02040503050406030204" pitchFamily="18" charset="0"/>
+                                    </a:rPr>
+                                    <m:t>5</m:t>
                                   </m:r>
                                   <m:r>
                                     <a:rPr lang="en-US" sz="2800" b="0" i="1">
@@ -11149,7 +12246,27 @@
                                           <a:latin typeface="Cambria Math" panose="02040503050406030204" pitchFamily="18" charset="0"/>
                                           <a:ea typeface="Cambria Math" panose="02040503050406030204" pitchFamily="18" charset="0"/>
                                         </a:rPr>
-                                        <m:t>2.5</m:t>
+                                        <m:t>2</m:t>
+                                      </m:r>
+                                      <m:r>
+                                        <a:rPr lang="en-US" sz="2800" b="0" i="1">
+                                          <a:solidFill>
+                                            <a:srgbClr val="00B050"/>
+                                          </a:solidFill>
+                                          <a:latin typeface="Cambria Math" panose="02040503050406030204" pitchFamily="18" charset="0"/>
+                                          <a:ea typeface="Cambria Math" panose="02040503050406030204" pitchFamily="18" charset="0"/>
+                                        </a:rPr>
+                                        <m:t>.</m:t>
+                                      </m:r>
+                                      <m:r>
+                                        <a:rPr lang="en-US" sz="2800" b="0" i="1">
+                                          <a:solidFill>
+                                            <a:srgbClr val="00B050"/>
+                                          </a:solidFill>
+                                          <a:latin typeface="Cambria Math" panose="02040503050406030204" pitchFamily="18" charset="0"/>
+                                          <a:ea typeface="Cambria Math" panose="02040503050406030204" pitchFamily="18" charset="0"/>
+                                        </a:rPr>
+                                        <m:t>5</m:t>
                                       </m:r>
                                     </m:sup>
                                   </m:sSup>
@@ -11163,7 +12280,17 @@
                                       <a:latin typeface="Cambria Math" panose="02040503050406030204" pitchFamily="18" charset="0"/>
                                       <a:ea typeface="Cambria Math" panose="02040503050406030204" pitchFamily="18" charset="0"/>
                                     </a:rPr>
-                                    <m:t>8∗</m:t>
+                                    <m:t>8</m:t>
+                                  </m:r>
+                                  <m:r>
+                                    <a:rPr lang="en-US" sz="2800" b="0" i="1">
+                                      <a:solidFill>
+                                        <a:srgbClr val="00B050"/>
+                                      </a:solidFill>
+                                      <a:latin typeface="Cambria Math" panose="02040503050406030204" pitchFamily="18" charset="0"/>
+                                      <a:ea typeface="Cambria Math" panose="02040503050406030204" pitchFamily="18" charset="0"/>
+                                    </a:rPr>
+                                    <m:t>∗</m:t>
                                   </m:r>
                                   <m:sSub>
                                     <m:sSubPr>
@@ -11216,7 +12343,7 @@
             </p:txBody>
           </p:sp>
         </mc:Choice>
-        <mc:Fallback>
+        <mc:Fallback xmlns="">
           <p:sp>
             <p:nvSpPr>
               <p:cNvPr id="5" name="TextBox 9"/>
@@ -11259,427 +12386,6 @@
     <p:extLst>
       <p:ext uri="{BB962C8B-B14F-4D97-AF65-F5344CB8AC3E}">
         <p14:creationId xmlns:p14="http://schemas.microsoft.com/office/powerpoint/2010/main" val="643749151"/>
-      </p:ext>
-    </p:extLst>
-  </p:cSld>
-  <p:clrMapOvr>
-    <a:masterClrMapping/>
-  </p:clrMapOvr>
-  <p:timing>
-    <p:tnLst>
-      <p:par>
-        <p:cTn id="1" dur="indefinite" restart="never" nodeType="tmRoot"/>
-      </p:par>
-    </p:tnLst>
-  </p:timing>
-</p:sld>
-</file>
-
-<file path=ppt/slides/slide9.xml><?xml version="1.0" encoding="utf-8"?>
-<p:sld xmlns:a="http://schemas.openxmlformats.org/drawingml/2006/main" xmlns:r="http://schemas.openxmlformats.org/officeDocument/2006/relationships" xmlns:p="http://schemas.openxmlformats.org/presentationml/2006/main">
-  <p:cSld>
-    <p:spTree>
-      <p:nvGrpSpPr>
-        <p:cNvPr id="1" name=""/>
-        <p:cNvGrpSpPr/>
-        <p:nvPr/>
-      </p:nvGrpSpPr>
-      <p:grpSpPr>
-        <a:xfrm>
-          <a:off x="0" y="0"/>
-          <a:ext cx="0" cy="0"/>
-          <a:chOff x="0" y="0"/>
-          <a:chExt cx="0" cy="0"/>
-        </a:xfrm>
-      </p:grpSpPr>
-      <p:sp>
-        <p:nvSpPr>
-          <p:cNvPr id="2" name="Title 1"/>
-          <p:cNvSpPr>
-            <a:spLocks noGrp="1"/>
-          </p:cNvSpPr>
-          <p:nvPr>
-            <p:ph type="title"/>
-          </p:nvPr>
-        </p:nvSpPr>
-        <p:spPr>
-          <a:xfrm>
-            <a:off x="838200" y="365125"/>
-            <a:ext cx="10515600" cy="446405"/>
-          </a:xfrm>
-        </p:spPr>
-        <p:txBody>
-          <a:bodyPr>
-            <a:noAutofit/>
-          </a:bodyPr>
-          <a:lstStyle/>
-          <a:p>
-            <a:r>
-              <a:rPr lang="en-US" dirty="0" smtClean="0">
-                <a:solidFill>
-                  <a:srgbClr val="00B050"/>
-                </a:solidFill>
-              </a:rPr>
-              <a:t>Parameter for Soil Compaction design</a:t>
-            </a:r>
-            <a:endParaRPr lang="en-US" dirty="0">
-              <a:solidFill>
-                <a:srgbClr val="00B050"/>
-              </a:solidFill>
-            </a:endParaRPr>
-          </a:p>
-        </p:txBody>
-      </p:sp>
-      <mc:AlternateContent xmlns:mc="http://schemas.openxmlformats.org/markup-compatibility/2006">
-        <mc:Choice xmlns:a14="http://schemas.microsoft.com/office/drawing/2010/main" Requires="a14">
-          <p:sp>
-            <p:nvSpPr>
-              <p:cNvPr id="3" name="Content Placeholder 2"/>
-              <p:cNvSpPr>
-                <a:spLocks noGrp="1"/>
-              </p:cNvSpPr>
-              <p:nvPr>
-                <p:ph idx="1"/>
-              </p:nvPr>
-            </p:nvSpPr>
-            <p:spPr>
-              <a:xfrm>
-                <a:off x="838200" y="811530"/>
-                <a:ext cx="10515600" cy="5783580"/>
-              </a:xfrm>
-            </p:spPr>
-            <p:txBody>
-              <a:bodyPr>
-                <a:normAutofit lnSpcReduction="10000"/>
-              </a:bodyPr>
-              <a:lstStyle/>
-              <a:p>
-                <a:pPr marL="0" indent="0">
-                  <a:buNone/>
-                </a:pPr>
-                <a:r>
-                  <a:rPr lang="en-US" sz="3200" i="1" dirty="0" smtClean="0">
-                    <a:solidFill>
-                      <a:schemeClr val="accent2"/>
-                    </a:solidFill>
-                  </a:rPr>
-                  <a:t>B= </a:t>
-                </a:r>
-                <a:r>
-                  <a:rPr lang="en-US" sz="3200" i="1" dirty="0">
-                    <a:solidFill>
-                      <a:schemeClr val="accent2"/>
-                    </a:solidFill>
-                  </a:rPr>
-                  <a:t>Contact width </a:t>
-                </a:r>
-                <a:br>
-                  <a:rPr lang="en-US" sz="3200" i="1" dirty="0">
-                    <a:solidFill>
-                      <a:schemeClr val="accent2"/>
-                    </a:solidFill>
-                  </a:rPr>
-                </a:br>
-                <a:r>
-                  <a:rPr lang="en-US" sz="3200" i="1" dirty="0">
-                    <a:solidFill>
-                      <a:schemeClr val="accent2"/>
-                    </a:solidFill>
-                  </a:rPr>
-                  <a:t>For rigid rollers, using modified </a:t>
-                </a:r>
-                <a:r>
-                  <a:rPr lang="en-US" sz="3200" i="1" dirty="0" err="1">
-                    <a:solidFill>
-                      <a:schemeClr val="accent2"/>
-                    </a:solidFill>
-                  </a:rPr>
-                  <a:t>Grecenko</a:t>
-                </a:r>
-                <a:r>
-                  <a:rPr lang="en-US" sz="3200" i="1" dirty="0">
-                    <a:solidFill>
-                      <a:schemeClr val="accent2"/>
-                    </a:solidFill>
-                  </a:rPr>
-                  <a:t> formula as</a:t>
-                </a:r>
-                <a:br>
-                  <a:rPr lang="en-US" sz="3200" i="1" dirty="0">
-                    <a:solidFill>
-                      <a:schemeClr val="accent2"/>
-                    </a:solidFill>
-                  </a:rPr>
-                </a:br>
-                <a:r>
-                  <a:rPr lang="en-US" sz="3200" i="1" dirty="0">
-                    <a:solidFill>
-                      <a:schemeClr val="accent2"/>
-                    </a:solidFill>
-                  </a:rPr>
-                  <a:t>follows:</a:t>
-                </a:r>
-                <a:br>
-                  <a:rPr lang="en-US" sz="3200" i="1" dirty="0">
-                    <a:solidFill>
-                      <a:schemeClr val="accent2"/>
-                    </a:solidFill>
-                  </a:rPr>
-                </a:br>
-                <a:r>
-                  <a:rPr lang="en-US" sz="3200" i="1" dirty="0">
-                    <a:solidFill>
-                      <a:schemeClr val="accent2"/>
-                    </a:solidFill>
-                  </a:rPr>
-                  <a:t>B </a:t>
-                </a:r>
-                <a:r>
-                  <a:rPr lang="en-US" sz="3200" i="1" dirty="0">
-                    <a:solidFill>
-                      <a:schemeClr val="accent2"/>
-                    </a:solidFill>
-                  </a:rPr>
-                  <a:t>= (0.45 - 0.15 γ) x Roller diameter </a:t>
-                </a:r>
-                <a:endParaRPr lang="en-US" sz="3200" i="1" dirty="0">
-                  <a:solidFill>
-                    <a:schemeClr val="accent2"/>
-                  </a:solidFill>
-                </a:endParaRPr>
-              </a:p>
-              <a:p>
-                <a:pPr marL="0" indent="0">
-                  <a:buNone/>
-                </a:pPr>
-                <a:r>
-                  <a:rPr lang="en-US" sz="3200" i="1" dirty="0">
-                    <a:solidFill>
-                      <a:schemeClr val="accent2"/>
-                    </a:solidFill>
-                  </a:rPr>
-                  <a:t>F= </a:t>
-                </a:r>
-                <a:r>
-                  <a:rPr lang="en-US" sz="3200" i="1" dirty="0">
-                    <a:solidFill>
-                      <a:schemeClr val="accent2"/>
-                    </a:solidFill>
-                  </a:rPr>
-                  <a:t>is </a:t>
-                </a:r>
-                <a:r>
-                  <a:rPr lang="en-US" sz="3200" i="1" dirty="0">
-                    <a:solidFill>
-                      <a:schemeClr val="accent2"/>
-                    </a:solidFill>
-                  </a:rPr>
-                  <a:t>the fines percent</a:t>
-                </a:r>
-                <a:r>
-                  <a:rPr lang="en-US" sz="3200" i="1" dirty="0">
-                    <a:solidFill>
-                      <a:schemeClr val="accent2"/>
-                    </a:solidFill>
-                  </a:rPr>
-                  <a:t> (Soil Passing #200 sieve) </a:t>
-                </a:r>
-                <a:endParaRPr lang="en-US" sz="3200" i="1" dirty="0">
-                  <a:solidFill>
-                    <a:schemeClr val="accent2"/>
-                  </a:solidFill>
-                </a:endParaRPr>
-              </a:p>
-              <a:p>
-                <a:pPr marL="0" indent="0">
-                  <a:buNone/>
-                </a:pPr>
-                <a14:m>
-                  <m:oMath xmlns:m="http://schemas.openxmlformats.org/officeDocument/2006/math">
-                    <m:r>
-                      <a:rPr lang="en-US" sz="3200" i="1">
-                        <a:solidFill>
-                          <a:schemeClr val="accent2"/>
-                        </a:solidFill>
-                      </a:rPr>
-                      <m:t>𝛾</m:t>
-                    </m:r>
-                  </m:oMath>
-                </a14:m>
-                <a:r>
-                  <a:rPr lang="en-US" sz="3200" i="1" dirty="0">
-                    <a:solidFill>
-                      <a:schemeClr val="accent2"/>
-                    </a:solidFill>
-                  </a:rPr>
-                  <a:t>=Dry Unit Weight of Soil </a:t>
-                </a:r>
-                <a:r>
-                  <a:rPr lang="en-US" sz="3200" i="1" dirty="0" smtClean="0">
-                    <a:solidFill>
-                      <a:schemeClr val="accent2"/>
-                    </a:solidFill>
-                  </a:rPr>
-                  <a:t>Tons/cum</a:t>
-                </a:r>
-              </a:p>
-              <a:p>
-                <a:pPr marL="0" indent="0">
-                  <a:buNone/>
-                </a:pPr>
-                <a14:m>
-                  <m:oMath xmlns:m="http://schemas.openxmlformats.org/officeDocument/2006/math">
-                    <m:sSub>
-                      <m:sSubPr>
-                        <m:ctrlPr>
-                          <a:rPr lang="en-US" sz="3200" i="1">
-                            <a:solidFill>
-                              <a:schemeClr val="accent2"/>
-                            </a:solidFill>
-                          </a:rPr>
-                        </m:ctrlPr>
-                      </m:sSubPr>
-                      <m:e>
-                        <m:r>
-                          <a:rPr lang="en-US" sz="3200" i="1">
-                            <a:solidFill>
-                              <a:schemeClr val="accent2"/>
-                            </a:solidFill>
-                          </a:rPr>
-                          <m:t>𝜎</m:t>
-                        </m:r>
-                      </m:e>
-                      <m:sub>
-                        <m:r>
-                          <a:rPr lang="en-US" sz="3200" i="1">
-                            <a:solidFill>
-                              <a:schemeClr val="accent2"/>
-                            </a:solidFill>
-                          </a:rPr>
-                          <m:t>0</m:t>
-                        </m:r>
-                      </m:sub>
-                    </m:sSub>
-                  </m:oMath>
-                </a14:m>
-                <a:r>
-                  <a:rPr lang="en-US" sz="3200" i="1" dirty="0">
-                    <a:solidFill>
-                      <a:schemeClr val="accent2"/>
-                    </a:solidFill>
-                  </a:rPr>
-                  <a:t>=</a:t>
-                </a:r>
-                <a:r>
-                  <a:rPr lang="en-US" sz="3200" i="1" dirty="0">
-                    <a:solidFill>
-                      <a:schemeClr val="accent2"/>
-                    </a:solidFill>
-                  </a:rPr>
-                  <a:t> stress at ground surface </a:t>
-                </a:r>
-                <a:br>
-                  <a:rPr lang="en-US" sz="3200" i="1" dirty="0">
-                    <a:solidFill>
-                      <a:schemeClr val="accent2"/>
-                    </a:solidFill>
-                  </a:rPr>
-                </a:br>
-                <a:endParaRPr lang="en-US" sz="3200" i="1" dirty="0">
-                  <a:solidFill>
-                    <a:schemeClr val="accent2"/>
-                  </a:solidFill>
-                </a:endParaRPr>
-              </a:p>
-              <a:p>
-                <a:pPr marL="0" indent="0">
-                  <a:buNone/>
-                </a:pPr>
-                <a:endParaRPr lang="en-US" i="1" dirty="0">
-                  <a:solidFill>
-                    <a:srgbClr val="00B050"/>
-                  </a:solidFill>
-                  <a:latin typeface="Cambria Math" panose="02040503050406030204" pitchFamily="18" charset="0"/>
-                  <a:ea typeface="Cambria Math" panose="02040503050406030204" pitchFamily="18" charset="0"/>
-                </a:endParaRPr>
-              </a:p>
-              <a:p>
-                <a:pPr marL="0" indent="0">
-                  <a:buNone/>
-                </a:pPr>
-                <a:endParaRPr lang="en-US" i="1" dirty="0">
-                  <a:solidFill>
-                    <a:srgbClr val="00B050"/>
-                  </a:solidFill>
-                  <a:latin typeface="Cambria Math" panose="02040503050406030204" pitchFamily="18" charset="0"/>
-                  <a:ea typeface="Cambria Math" panose="02040503050406030204" pitchFamily="18" charset="0"/>
-                </a:endParaRPr>
-              </a:p>
-              <a:p>
-                <a:pPr marL="0" indent="0">
-                  <a:buNone/>
-                </a:pPr>
-                <a:r>
-                  <a:rPr lang="en-US" dirty="0" smtClean="0"/>
-                  <a:t/>
-                </a:r>
-                <a:br>
-                  <a:rPr lang="en-US" dirty="0" smtClean="0"/>
-                </a:br>
-                <a:r>
-                  <a:rPr lang="en-US" dirty="0" smtClean="0"/>
-                  <a:t/>
-                </a:r>
-                <a:br>
-                  <a:rPr lang="en-US" dirty="0" smtClean="0"/>
-                </a:br>
-                <a:endParaRPr lang="en-US" dirty="0"/>
-              </a:p>
-            </p:txBody>
-          </p:sp>
-        </mc:Choice>
-        <mc:Fallback>
-          <p:sp>
-            <p:nvSpPr>
-              <p:cNvPr id="3" name="Content Placeholder 2"/>
-              <p:cNvSpPr>
-                <a:spLocks noGrp="1" noRot="1" noChangeAspect="1" noMove="1" noResize="1" noEditPoints="1" noAdjustHandles="1" noChangeArrowheads="1" noChangeShapeType="1" noTextEdit="1"/>
-              </p:cNvSpPr>
-              <p:nvPr>
-                <p:ph idx="1"/>
-              </p:nvPr>
-            </p:nvSpPr>
-            <p:spPr>
-              <a:xfrm>
-                <a:off x="838200" y="811530"/>
-                <a:ext cx="10515600" cy="5783580"/>
-              </a:xfrm>
-              <a:blipFill>
-                <a:blip r:embed="rId2"/>
-                <a:stretch>
-                  <a:fillRect l="-1507" t="-2845"/>
-                </a:stretch>
-              </a:blipFill>
-            </p:spPr>
-            <p:txBody>
-              <a:bodyPr/>
-              <a:lstStyle/>
-              <a:p>
-                <a:r>
-                  <a:rPr lang="en-US">
-                    <a:noFill/>
-                  </a:rPr>
-                  <a:t> </a:t>
-                </a:r>
-              </a:p>
-            </p:txBody>
-          </p:sp>
-        </mc:Fallback>
-      </mc:AlternateContent>
-    </p:spTree>
-    <p:extLst>
-      <p:ext uri="{BB962C8B-B14F-4D97-AF65-F5344CB8AC3E}">
-        <p14:creationId xmlns:p14="http://schemas.microsoft.com/office/powerpoint/2010/main" val="2465201931"/>
       </p:ext>
     </p:extLst>
   </p:cSld>
